--- a/sesija-36/PPT/Front-End Developer-36.pptx
+++ b/sesija-36/PPT/Front-End Developer-36.pptx
@@ -6,13 +6,23 @@
     <p:sldMasterId id="2147483676" r:id="rId2"/>
   </p:sldMasterIdLst>
   <p:notesMasterIdLst>
-    <p:notesMasterId r:id="rId7"/>
+    <p:notesMasterId r:id="rId17"/>
   </p:notesMasterIdLst>
   <p:sldIdLst>
     <p:sldId id="256" r:id="rId3"/>
     <p:sldId id="257" r:id="rId4"/>
     <p:sldId id="258" r:id="rId5"/>
     <p:sldId id="263" r:id="rId6"/>
+    <p:sldId id="266" r:id="rId7"/>
+    <p:sldId id="272" r:id="rId8"/>
+    <p:sldId id="267" r:id="rId9"/>
+    <p:sldId id="268" r:id="rId10"/>
+    <p:sldId id="269" r:id="rId11"/>
+    <p:sldId id="270" r:id="rId12"/>
+    <p:sldId id="271" r:id="rId13"/>
+    <p:sldId id="273" r:id="rId14"/>
+    <p:sldId id="264" r:id="rId15"/>
+    <p:sldId id="265" r:id="rId16"/>
   </p:sldIdLst>
   <p:sldSz cx="12192000" cy="6858000"/>
   <p:notesSz cx="6858000" cy="9144000"/>
@@ -120,6 +130,16 @@
             <p14:sldId id="257"/>
             <p14:sldId id="258"/>
             <p14:sldId id="263"/>
+            <p14:sldId id="266"/>
+            <p14:sldId id="272"/>
+            <p14:sldId id="267"/>
+            <p14:sldId id="268"/>
+            <p14:sldId id="269"/>
+            <p14:sldId id="270"/>
+            <p14:sldId id="271"/>
+            <p14:sldId id="273"/>
+            <p14:sldId id="264"/>
+            <p14:sldId id="265"/>
           </p14:sldIdLst>
         </p14:section>
       </p14:sectionLst>
@@ -904,7 +924,7 @@
         <a:p>
           <a:r>
             <a:rPr lang="en-US" b="1" smtClean="0"/>
-            <a:t>HTML</a:t>
+            <a:t>Git </a:t>
           </a:r>
           <a:endParaRPr lang="en-US"/>
         </a:p>
@@ -939,6 +959,10 @@
         <a:bodyPr/>
         <a:lstStyle/>
         <a:p>
+          <a:r>
+            <a:rPr lang="en-US" smtClean="0"/>
+            <a:t>Osnove</a:t>
+          </a:r>
           <a:endParaRPr lang="en-US"/>
         </a:p>
       </dgm:t>
@@ -946,10 +970,98 @@
     <dgm:pt modelId="{F89418B0-7D47-48D3-A0DD-7DC00E292A1E}" type="parTrans" cxnId="{C78D7D1E-4353-489A-8F01-856C716DDAA5}">
       <dgm:prSet/>
       <dgm:spPr/>
+      <dgm:t>
+        <a:bodyPr/>
+        <a:lstStyle/>
+        <a:p>
+          <a:endParaRPr lang="en-US"/>
+        </a:p>
+      </dgm:t>
     </dgm:pt>
     <dgm:pt modelId="{B8A6BCFB-F597-4971-BF20-6B7B52347AE9}" type="sibTrans" cxnId="{C78D7D1E-4353-489A-8F01-856C716DDAA5}">
       <dgm:prSet/>
       <dgm:spPr/>
+      <dgm:t>
+        <a:bodyPr/>
+        <a:lstStyle/>
+        <a:p>
+          <a:endParaRPr lang="en-US"/>
+        </a:p>
+      </dgm:t>
+    </dgm:pt>
+    <dgm:pt modelId="{28E94472-0D24-4B73-AE72-45912C6225F7}">
+      <dgm:prSet phldrT="[Text]"/>
+      <dgm:spPr/>
+      <dgm:t>
+        <a:bodyPr/>
+        <a:lstStyle/>
+        <a:p>
+          <a:r>
+            <a:rPr lang="en-US" smtClean="0"/>
+            <a:t>GitHub</a:t>
+          </a:r>
+          <a:endParaRPr lang="en-US"/>
+        </a:p>
+      </dgm:t>
+    </dgm:pt>
+    <dgm:pt modelId="{EA7DEC50-22AA-46C0-B59B-6BED0F5A7614}" type="parTrans" cxnId="{78ED50A8-66E4-45FF-89BE-ADC06D52777A}">
+      <dgm:prSet/>
+      <dgm:spPr/>
+      <dgm:t>
+        <a:bodyPr/>
+        <a:lstStyle/>
+        <a:p>
+          <a:endParaRPr lang="en-US"/>
+        </a:p>
+      </dgm:t>
+    </dgm:pt>
+    <dgm:pt modelId="{75DE82EB-7115-4A95-9F55-8B9F0EDF0E4C}" type="sibTrans" cxnId="{78ED50A8-66E4-45FF-89BE-ADC06D52777A}">
+      <dgm:prSet/>
+      <dgm:spPr/>
+      <dgm:t>
+        <a:bodyPr/>
+        <a:lstStyle/>
+        <a:p>
+          <a:endParaRPr lang="en-US"/>
+        </a:p>
+      </dgm:t>
+    </dgm:pt>
+    <dgm:pt modelId="{8F9725BE-C058-4BE4-951A-D2853A56D882}">
+      <dgm:prSet phldrT="[Text]"/>
+      <dgm:spPr/>
+      <dgm:t>
+        <a:bodyPr/>
+        <a:lstStyle/>
+        <a:p>
+          <a:r>
+            <a:rPr lang="sr-Latn-RS" b="0" i="0" smtClean="0"/>
+            <a:t>Git Feature Branch Workflow</a:t>
+          </a:r>
+          <a:endParaRPr lang="en-US"/>
+        </a:p>
+      </dgm:t>
+    </dgm:pt>
+    <dgm:pt modelId="{3D76194F-529E-474B-A13D-91B7A92C24F6}" type="parTrans" cxnId="{66520CC7-F9AA-40A2-8E2C-1647AA1382B3}">
+      <dgm:prSet/>
+      <dgm:spPr/>
+      <dgm:t>
+        <a:bodyPr/>
+        <a:lstStyle/>
+        <a:p>
+          <a:endParaRPr lang="en-US"/>
+        </a:p>
+      </dgm:t>
+    </dgm:pt>
+    <dgm:pt modelId="{7C200352-E534-4360-B825-9CA8087DBD7C}" type="sibTrans" cxnId="{66520CC7-F9AA-40A2-8E2C-1647AA1382B3}">
+      <dgm:prSet/>
+      <dgm:spPr/>
+      <dgm:t>
+        <a:bodyPr/>
+        <a:lstStyle/>
+        <a:p>
+          <a:endParaRPr lang="en-US"/>
+        </a:p>
+      </dgm:t>
     </dgm:pt>
     <dgm:pt modelId="{AEABCDDF-3180-4C76-A7CB-FC0B6AF0719A}" type="pres">
       <dgm:prSet presAssocID="{4EE1351B-4B79-4D48-8F5E-455F7AD945A8}" presName="linear" presStyleCnt="0">
@@ -1001,9 +1113,13 @@
   </dgm:ptLst>
   <dgm:cxnLst>
     <dgm:cxn modelId="{C5A8E9B4-A897-4242-BCB6-414B02FAC18D}" type="presOf" srcId="{7BA3726F-3900-4FC3-8B1E-5B513F942281}" destId="{AADBD8E6-695F-4FE3-9A02-D807BC812A7C}" srcOrd="0" destOrd="0" presId="urn:microsoft.com/office/officeart/2005/8/layout/vList2"/>
+    <dgm:cxn modelId="{D4B2C4B5-CCB7-4A68-B5F5-3259B208503C}" type="presOf" srcId="{8F9725BE-C058-4BE4-951A-D2853A56D882}" destId="{AADBD8E6-695F-4FE3-9A02-D807BC812A7C}" srcOrd="0" destOrd="2" presId="urn:microsoft.com/office/officeart/2005/8/layout/vList2"/>
+    <dgm:cxn modelId="{4D20E90C-78E2-4428-9264-F0F3701ACE8B}" type="presOf" srcId="{28E94472-0D24-4B73-AE72-45912C6225F7}" destId="{AADBD8E6-695F-4FE3-9A02-D807BC812A7C}" srcOrd="0" destOrd="1" presId="urn:microsoft.com/office/officeart/2005/8/layout/vList2"/>
     <dgm:cxn modelId="{FB3F133B-D980-4586-8A93-14087C2AFDB7}" type="presOf" srcId="{01EB205F-FC18-44EF-B4D7-07083A382D6D}" destId="{F4D94EE2-DE87-41D3-8995-9FDA4ED2D4BE}" srcOrd="0" destOrd="0" presId="urn:microsoft.com/office/officeart/2005/8/layout/vList2"/>
+    <dgm:cxn modelId="{66520CC7-F9AA-40A2-8E2C-1647AA1382B3}" srcId="{01EB205F-FC18-44EF-B4D7-07083A382D6D}" destId="{8F9725BE-C058-4BE4-951A-D2853A56D882}" srcOrd="2" destOrd="0" parTransId="{3D76194F-529E-474B-A13D-91B7A92C24F6}" sibTransId="{7C200352-E534-4360-B825-9CA8087DBD7C}"/>
     <dgm:cxn modelId="{C78D7D1E-4353-489A-8F01-856C716DDAA5}" srcId="{01EB205F-FC18-44EF-B4D7-07083A382D6D}" destId="{7BA3726F-3900-4FC3-8B1E-5B513F942281}" srcOrd="0" destOrd="0" parTransId="{F89418B0-7D47-48D3-A0DD-7DC00E292A1E}" sibTransId="{B8A6BCFB-F597-4971-BF20-6B7B52347AE9}"/>
     <dgm:cxn modelId="{554D4833-0D13-4D4C-92BF-76D83AECFDE6}" srcId="{4EE1351B-4B79-4D48-8F5E-455F7AD945A8}" destId="{01EB205F-FC18-44EF-B4D7-07083A382D6D}" srcOrd="0" destOrd="0" parTransId="{D4C6F2B3-566C-488E-AC05-F7BDFB6B7331}" sibTransId="{2BF717F9-FCD3-4CE3-A0A5-83D104AFB328}"/>
+    <dgm:cxn modelId="{78ED50A8-66E4-45FF-89BE-ADC06D52777A}" srcId="{01EB205F-FC18-44EF-B4D7-07083A382D6D}" destId="{28E94472-0D24-4B73-AE72-45912C6225F7}" srcOrd="1" destOrd="0" parTransId="{EA7DEC50-22AA-46C0-B59B-6BED0F5A7614}" sibTransId="{75DE82EB-7115-4A95-9F55-8B9F0EDF0E4C}"/>
     <dgm:cxn modelId="{9ADF0326-01FB-4790-B759-ACDFB0217796}" type="presOf" srcId="{4EE1351B-4B79-4D48-8F5E-455F7AD945A8}" destId="{AEABCDDF-3180-4C76-A7CB-FC0B6AF0719A}" srcOrd="0" destOrd="0" presId="urn:microsoft.com/office/officeart/2005/8/layout/vList2"/>
     <dgm:cxn modelId="{541BD5B9-51DA-497F-838D-CDA31366E980}" type="presParOf" srcId="{AEABCDDF-3180-4C76-A7CB-FC0B6AF0719A}" destId="{F4D94EE2-DE87-41D3-8995-9FDA4ED2D4BE}" srcOrd="0" destOrd="0" presId="urn:microsoft.com/office/officeart/2005/8/layout/vList2"/>
     <dgm:cxn modelId="{C7801D2E-7067-4E56-86BD-8C707C34363A}" type="presParOf" srcId="{AEABCDDF-3180-4C76-A7CB-FC0B6AF0719A}" destId="{AADBD8E6-695F-4FE3-9A02-D807BC812A7C}" srcOrd="1" destOrd="0" presId="urn:microsoft.com/office/officeart/2005/8/layout/vList2"/>
@@ -1033,7 +1149,7 @@
       </dsp:nvSpPr>
       <dsp:spPr>
         <a:xfrm>
-          <a:off x="0" y="1548347"/>
+          <a:off x="0" y="505585"/>
           <a:ext cx="8298873" cy="1521000"/>
         </a:xfrm>
         <a:prstGeom prst="roundRect">
@@ -1093,13 +1209,13 @@
           </a:pPr>
           <a:r>
             <a:rPr lang="en-US" sz="6500" b="1" kern="1200" smtClean="0"/>
-            <a:t>HTML</a:t>
+            <a:t>Git </a:t>
           </a:r>
           <a:endParaRPr lang="en-US" sz="6500" kern="1200"/>
         </a:p>
       </dsp:txBody>
       <dsp:txXfrm>
-        <a:off x="74249" y="1622596"/>
+        <a:off x="74249" y="579834"/>
         <a:ext cx="8150375" cy="1372502"/>
       </dsp:txXfrm>
     </dsp:sp>
@@ -1110,8 +1226,8 @@
       </dsp:nvSpPr>
       <dsp:spPr>
         <a:xfrm>
-          <a:off x="0" y="3069347"/>
-          <a:ext cx="8298873" cy="1076400"/>
+          <a:off x="0" y="2026585"/>
+          <a:ext cx="8298873" cy="3161925"/>
         </a:xfrm>
         <a:prstGeom prst="rect">
           <a:avLst/>
@@ -1152,12 +1268,54 @@
             </a:spcAft>
             <a:buChar char="••"/>
           </a:pPr>
+          <a:r>
+            <a:rPr lang="en-US" sz="5100" kern="1200" smtClean="0"/>
+            <a:t>Osnove</a:t>
+          </a:r>
+          <a:endParaRPr lang="en-US" sz="5100" kern="1200"/>
+        </a:p>
+        <a:p>
+          <a:pPr marL="285750" lvl="1" indent="-285750" algn="l" defTabSz="2266950">
+            <a:lnSpc>
+              <a:spcPct val="90000"/>
+            </a:lnSpc>
+            <a:spcBef>
+              <a:spcPct val="0"/>
+            </a:spcBef>
+            <a:spcAft>
+              <a:spcPct val="20000"/>
+            </a:spcAft>
+            <a:buChar char="••"/>
+          </a:pPr>
+          <a:r>
+            <a:rPr lang="en-US" sz="5100" kern="1200" smtClean="0"/>
+            <a:t>GitHub</a:t>
+          </a:r>
+          <a:endParaRPr lang="en-US" sz="5100" kern="1200"/>
+        </a:p>
+        <a:p>
+          <a:pPr marL="285750" lvl="1" indent="-285750" algn="l" defTabSz="2266950">
+            <a:lnSpc>
+              <a:spcPct val="90000"/>
+            </a:lnSpc>
+            <a:spcBef>
+              <a:spcPct val="0"/>
+            </a:spcBef>
+            <a:spcAft>
+              <a:spcPct val="20000"/>
+            </a:spcAft>
+            <a:buChar char="••"/>
+          </a:pPr>
+          <a:r>
+            <a:rPr lang="sr-Latn-RS" sz="5100" b="0" i="0" kern="1200" smtClean="0"/>
+            <a:t>Git Feature Branch Workflow</a:t>
+          </a:r>
           <a:endParaRPr lang="en-US" sz="5100" kern="1200"/>
         </a:p>
       </dsp:txBody>
       <dsp:txXfrm>
-        <a:off x="0" y="3069347"/>
-        <a:ext cx="8298873" cy="1076400"/>
+        <a:off x="0" y="2026585"/>
+        <a:ext cx="8298873" cy="3161925"/>
       </dsp:txXfrm>
     </dsp:sp>
   </dsp:spTree>
@@ -2447,7 +2605,7 @@
           <a:p>
             <a:fld id="{D32AC403-8EB1-4D4E-8C3A-24BD19820531}" type="datetimeFigureOut">
               <a:rPr lang="en-US" smtClean="0"/>
-              <a:t>13-Mar-18</a:t>
+              <a:t>11-May-18</a:t>
             </a:fld>
             <a:endParaRPr lang="en-US"/>
           </a:p>
@@ -2850,6 +3008,90 @@
 </file>
 
 <file path=ppt/slideLayouts/slideLayout10.xml><?xml version="1.0" encoding="utf-8"?>
+<p:sldLayout xmlns:a="http://schemas.openxmlformats.org/drawingml/2006/main" xmlns:r="http://schemas.openxmlformats.org/officeDocument/2006/relationships" xmlns:p="http://schemas.openxmlformats.org/presentationml/2006/main" type="titleOnly" preserve="1">
+  <p:cSld name="1_Title Only">
+    <p:spTree>
+      <p:nvGrpSpPr>
+        <p:cNvPr id="1" name=""/>
+        <p:cNvGrpSpPr/>
+        <p:nvPr/>
+      </p:nvGrpSpPr>
+      <p:grpSpPr>
+        <a:xfrm>
+          <a:off x="0" y="0"/>
+          <a:ext cx="0" cy="0"/>
+          <a:chOff x="0" y="0"/>
+          <a:chExt cx="0" cy="0"/>
+        </a:xfrm>
+      </p:grpSpPr>
+      <p:sp>
+        <p:nvSpPr>
+          <p:cNvPr id="2" name="Title 1"/>
+          <p:cNvSpPr>
+            <a:spLocks noGrp="1"/>
+          </p:cNvSpPr>
+          <p:nvPr>
+            <p:ph type="title"/>
+          </p:nvPr>
+        </p:nvSpPr>
+        <p:spPr/>
+        <p:txBody>
+          <a:bodyPr/>
+          <a:lstStyle/>
+          <a:p>
+            <a:r>
+              <a:rPr lang="en-US" smtClean="0"/>
+              <a:t>Click to edit Master title style</a:t>
+            </a:r>
+            <a:endParaRPr lang="sr-Latn-RS"/>
+          </a:p>
+        </p:txBody>
+      </p:sp>
+      <p:pic>
+        <p:nvPicPr>
+          <p:cNvPr id="4" name="Picture 3"/>
+          <p:cNvPicPr>
+            <a:picLocks noChangeAspect="1"/>
+          </p:cNvPicPr>
+          <p:nvPr userDrawn="1"/>
+        </p:nvPicPr>
+        <p:blipFill>
+          <a:blip r:embed="rId2"/>
+          <a:stretch>
+            <a:fillRect/>
+          </a:stretch>
+        </p:blipFill>
+        <p:spPr>
+          <a:xfrm>
+            <a:off x="10053634" y="4714875"/>
+            <a:ext cx="2143125" cy="2143125"/>
+          </a:xfrm>
+          <a:prstGeom prst="rect">
+            <a:avLst/>
+          </a:prstGeom>
+        </p:spPr>
+      </p:pic>
+    </p:spTree>
+    <p:extLst>
+      <p:ext uri="{BB962C8B-B14F-4D97-AF65-F5344CB8AC3E}">
+        <p14:creationId xmlns:p14="http://schemas.microsoft.com/office/powerpoint/2010/main" val="920855365"/>
+      </p:ext>
+    </p:extLst>
+  </p:cSld>
+  <p:clrMapOvr>
+    <a:masterClrMapping/>
+  </p:clrMapOvr>
+  <p:timing>
+    <p:tnLst>
+      <p:par>
+        <p:cTn id="1" dur="indefinite" restart="never" nodeType="tmRoot"/>
+      </p:par>
+    </p:tnLst>
+  </p:timing>
+</p:sldLayout>
+</file>
+
+<file path=ppt/slideLayouts/slideLayout11.xml><?xml version="1.0" encoding="utf-8"?>
 <p:sldLayout xmlns:a="http://schemas.openxmlformats.org/drawingml/2006/main" xmlns:r="http://schemas.openxmlformats.org/officeDocument/2006/relationships" xmlns:p="http://schemas.openxmlformats.org/presentationml/2006/main" preserve="1" userDrawn="1">
   <p:cSld name="2_Title Only">
     <p:spTree>
@@ -3014,7 +3256,7 @@
 </p:sldLayout>
 </file>
 
-<file path=ppt/slideLayouts/slideLayout11.xml><?xml version="1.0" encoding="utf-8"?>
+<file path=ppt/slideLayouts/slideLayout12.xml><?xml version="1.0" encoding="utf-8"?>
 <p:sldLayout xmlns:a="http://schemas.openxmlformats.org/drawingml/2006/main" xmlns:r="http://schemas.openxmlformats.org/officeDocument/2006/relationships" xmlns:p="http://schemas.openxmlformats.org/presentationml/2006/main" type="twoObj" preserve="1">
   <p:cSld name="1_Two Content">
     <p:spTree>
@@ -3193,7 +3435,7 @@
           <a:p>
             <a:fld id="{B35B300D-7DF5-4E96-8AA6-60E94C6E9F44}" type="datetimeFigureOut">
               <a:rPr lang="sr-Latn-RS" smtClean="0"/>
-              <a:t>13.3.2018.</a:t>
+              <a:t>11.5.2018.</a:t>
             </a:fld>
             <a:endParaRPr lang="sr-Latn-RS"/>
           </a:p>
@@ -3301,7 +3543,7 @@
 </p:sldLayout>
 </file>
 
-<file path=ppt/slideLayouts/slideLayout12.xml><?xml version="1.0" encoding="utf-8"?>
+<file path=ppt/slideLayouts/slideLayout13.xml><?xml version="1.0" encoding="utf-8"?>
 <p:sldLayout xmlns:a="http://schemas.openxmlformats.org/drawingml/2006/main" xmlns:r="http://schemas.openxmlformats.org/officeDocument/2006/relationships" xmlns:p="http://schemas.openxmlformats.org/presentationml/2006/main" preserve="1" userDrawn="1">
   <p:cSld name="3_Title Only">
     <p:spTree>
@@ -3442,7 +3684,165 @@
 </p:sldLayout>
 </file>
 
-<file path=ppt/slideLayouts/slideLayout13.xml><?xml version="1.0" encoding="utf-8"?>
+<file path=ppt/slideLayouts/slideLayout14.xml><?xml version="1.0" encoding="utf-8"?>
+<p:sldLayout xmlns:a="http://schemas.openxmlformats.org/drawingml/2006/main" xmlns:r="http://schemas.openxmlformats.org/officeDocument/2006/relationships" xmlns:p="http://schemas.openxmlformats.org/presentationml/2006/main" preserve="1" userDrawn="1">
+  <p:cSld name="4_Title Only">
+    <p:spTree>
+      <p:nvGrpSpPr>
+        <p:cNvPr id="1" name=""/>
+        <p:cNvGrpSpPr/>
+        <p:nvPr/>
+      </p:nvGrpSpPr>
+      <p:grpSpPr>
+        <a:xfrm>
+          <a:off x="0" y="0"/>
+          <a:ext cx="0" cy="0"/>
+          <a:chOff x="0" y="0"/>
+          <a:chExt cx="0" cy="0"/>
+        </a:xfrm>
+      </p:grpSpPr>
+      <p:sp>
+        <p:nvSpPr>
+          <p:cNvPr id="2" name="Title 1"/>
+          <p:cNvSpPr>
+            <a:spLocks noGrp="1"/>
+          </p:cNvSpPr>
+          <p:nvPr>
+            <p:ph type="title"/>
+          </p:nvPr>
+        </p:nvSpPr>
+        <p:spPr/>
+        <p:txBody>
+          <a:bodyPr/>
+          <a:lstStyle/>
+          <a:p>
+            <a:r>
+              <a:rPr lang="en-US" smtClean="0"/>
+              <a:t>Click to edit Master title style</a:t>
+            </a:r>
+            <a:endParaRPr lang="sr-Latn-RS"/>
+          </a:p>
+        </p:txBody>
+      </p:sp>
+      <p:sp>
+        <p:nvSpPr>
+          <p:cNvPr id="4" name="Content Placeholder 3"/>
+          <p:cNvSpPr>
+            <a:spLocks noGrp="1"/>
+          </p:cNvSpPr>
+          <p:nvPr>
+            <p:ph sz="quarter" idx="10"/>
+          </p:nvPr>
+        </p:nvSpPr>
+        <p:spPr>
+          <a:xfrm>
+            <a:off x="609600" y="1754188"/>
+            <a:ext cx="9028113" cy="3871912"/>
+          </a:xfrm>
+        </p:spPr>
+        <p:txBody>
+          <a:bodyPr/>
+          <a:lstStyle/>
+          <a:p>
+            <a:pPr lvl="0"/>
+            <a:r>
+              <a:rPr lang="en-US" smtClean="0"/>
+              <a:t>Edit Master text styles</a:t>
+            </a:r>
+          </a:p>
+          <a:p>
+            <a:pPr lvl="1"/>
+            <a:r>
+              <a:rPr lang="en-US" smtClean="0"/>
+              <a:t>Second level</a:t>
+            </a:r>
+          </a:p>
+          <a:p>
+            <a:pPr lvl="2"/>
+            <a:r>
+              <a:rPr lang="en-US" smtClean="0"/>
+              <a:t>Third level</a:t>
+            </a:r>
+          </a:p>
+          <a:p>
+            <a:pPr lvl="3"/>
+            <a:r>
+              <a:rPr lang="en-US" smtClean="0"/>
+              <a:t>Fourth level</a:t>
+            </a:r>
+          </a:p>
+          <a:p>
+            <a:pPr lvl="4"/>
+            <a:r>
+              <a:rPr lang="en-US" smtClean="0"/>
+              <a:t>Fifth level</a:t>
+            </a:r>
+            <a:endParaRPr lang="sr-Latn-RS"/>
+          </a:p>
+        </p:txBody>
+      </p:sp>
+      <p:pic>
+        <p:nvPicPr>
+          <p:cNvPr id="3074" name="Picture 2" descr="Image result"/>
+          <p:cNvPicPr>
+            <a:picLocks noChangeAspect="1" noChangeArrowheads="1"/>
+          </p:cNvPicPr>
+          <p:nvPr userDrawn="1"/>
+        </p:nvPicPr>
+        <p:blipFill>
+          <a:blip r:embed="rId2">
+            <a:extLst>
+              <a:ext uri="{28A0092B-C50C-407E-A947-70E740481C1C}">
+                <a14:useLocalDpi xmlns:a14="http://schemas.microsoft.com/office/drawing/2010/main" val="0"/>
+              </a:ext>
+            </a:extLst>
+          </a:blip>
+          <a:srcRect/>
+          <a:stretch>
+            <a:fillRect/>
+          </a:stretch>
+        </p:blipFill>
+        <p:spPr bwMode="auto">
+          <a:xfrm>
+            <a:off x="10200203" y="4866202"/>
+            <a:ext cx="1991797" cy="1991798"/>
+          </a:xfrm>
+          <a:prstGeom prst="rect">
+            <a:avLst/>
+          </a:prstGeom>
+          <a:noFill/>
+          <a:extLst>
+            <a:ext uri="{909E8E84-426E-40DD-AFC4-6F175D3DCCD1}">
+              <a14:hiddenFill xmlns:a14="http://schemas.microsoft.com/office/drawing/2010/main">
+                <a:solidFill>
+                  <a:srgbClr val="FFFFFF"/>
+                </a:solidFill>
+              </a14:hiddenFill>
+            </a:ext>
+          </a:extLst>
+        </p:spPr>
+      </p:pic>
+    </p:spTree>
+    <p:extLst>
+      <p:ext uri="{BB962C8B-B14F-4D97-AF65-F5344CB8AC3E}">
+        <p14:creationId xmlns:p14="http://schemas.microsoft.com/office/powerpoint/2010/main" val="1519381832"/>
+      </p:ext>
+    </p:extLst>
+  </p:cSld>
+  <p:clrMapOvr>
+    <a:masterClrMapping/>
+  </p:clrMapOvr>
+  <p:timing>
+    <p:tnLst>
+      <p:par>
+        <p:cTn id="1" dur="indefinite" restart="never" nodeType="tmRoot"/>
+      </p:par>
+    </p:tnLst>
+  </p:timing>
+</p:sldLayout>
+</file>
+
+<file path=ppt/slideLayouts/slideLayout15.xml><?xml version="1.0" encoding="utf-8"?>
 <p:sldLayout xmlns:a="http://schemas.openxmlformats.org/drawingml/2006/main" xmlns:r="http://schemas.openxmlformats.org/officeDocument/2006/relationships" xmlns:p="http://schemas.openxmlformats.org/presentationml/2006/main" type="secHead" preserve="1">
   <p:cSld name="Section Header">
     <p:spTree>
@@ -3627,7 +4027,7 @@
           <a:p>
             <a:fld id="{B35B300D-7DF5-4E96-8AA6-60E94C6E9F44}" type="datetimeFigureOut">
               <a:rPr lang="sr-Latn-RS" smtClean="0"/>
-              <a:t>13.3.2018.</a:t>
+              <a:t>11.5.2018.</a:t>
             </a:fld>
             <a:endParaRPr lang="sr-Latn-RS"/>
           </a:p>
@@ -3695,7 +4095,7 @@
 </p:sldLayout>
 </file>
 
-<file path=ppt/slideLayouts/slideLayout14.xml><?xml version="1.0" encoding="utf-8"?>
+<file path=ppt/slideLayouts/slideLayout16.xml><?xml version="1.0" encoding="utf-8"?>
 <p:sldLayout xmlns:a="http://schemas.openxmlformats.org/drawingml/2006/main" xmlns:r="http://schemas.openxmlformats.org/officeDocument/2006/relationships" xmlns:p="http://schemas.openxmlformats.org/presentationml/2006/main" type="twoTxTwoObj" preserve="1">
   <p:cSld name="Comparison">
     <p:spTree>
@@ -4001,7 +4401,7 @@
           <a:p>
             <a:fld id="{B35B300D-7DF5-4E96-8AA6-60E94C6E9F44}" type="datetimeFigureOut">
               <a:rPr lang="sr-Latn-RS" smtClean="0"/>
-              <a:t>13.3.2018.</a:t>
+              <a:t>11.5.2018.</a:t>
             </a:fld>
             <a:endParaRPr lang="sr-Latn-RS"/>
           </a:p>
@@ -4069,7 +4469,7 @@
 </p:sldLayout>
 </file>
 
-<file path=ppt/slideLayouts/slideLayout15.xml><?xml version="1.0" encoding="utf-8"?>
+<file path=ppt/slideLayouts/slideLayout17.xml><?xml version="1.0" encoding="utf-8"?>
 <p:sldLayout xmlns:a="http://schemas.openxmlformats.org/drawingml/2006/main" xmlns:r="http://schemas.openxmlformats.org/officeDocument/2006/relationships" xmlns:p="http://schemas.openxmlformats.org/presentationml/2006/main" type="objTx" preserve="1">
   <p:cSld name="Content with Caption">
     <p:spTree>
@@ -4285,7 +4685,7 @@
           <a:p>
             <a:fld id="{B35B300D-7DF5-4E96-8AA6-60E94C6E9F44}" type="datetimeFigureOut">
               <a:rPr lang="sr-Latn-RS" smtClean="0"/>
-              <a:t>13.3.2018.</a:t>
+              <a:t>11.5.2018.</a:t>
             </a:fld>
             <a:endParaRPr lang="sr-Latn-RS"/>
           </a:p>
@@ -4353,7 +4753,7 @@
 </p:sldLayout>
 </file>
 
-<file path=ppt/slideLayouts/slideLayout16.xml><?xml version="1.0" encoding="utf-8"?>
+<file path=ppt/slideLayouts/slideLayout18.xml><?xml version="1.0" encoding="utf-8"?>
 <p:sldLayout xmlns:a="http://schemas.openxmlformats.org/drawingml/2006/main" xmlns:r="http://schemas.openxmlformats.org/officeDocument/2006/relationships" xmlns:p="http://schemas.openxmlformats.org/presentationml/2006/main" type="vertTx" preserve="1">
   <p:cSld name="Title and Vertical Text">
     <p:spTree>
@@ -4462,7 +4862,7 @@
           <a:p>
             <a:fld id="{B35B300D-7DF5-4E96-8AA6-60E94C6E9F44}" type="datetimeFigureOut">
               <a:rPr lang="sr-Latn-RS" smtClean="0"/>
-              <a:t>13.3.2018.</a:t>
+              <a:t>11.5.2018.</a:t>
             </a:fld>
             <a:endParaRPr lang="sr-Latn-RS"/>
           </a:p>
@@ -4530,7 +4930,7 @@
 </p:sldLayout>
 </file>
 
-<file path=ppt/slideLayouts/slideLayout17.xml><?xml version="1.0" encoding="utf-8"?>
+<file path=ppt/slideLayouts/slideLayout19.xml><?xml version="1.0" encoding="utf-8"?>
 <p:sldLayout xmlns:a="http://schemas.openxmlformats.org/drawingml/2006/main" xmlns:r="http://schemas.openxmlformats.org/officeDocument/2006/relationships" xmlns:p="http://schemas.openxmlformats.org/presentationml/2006/main" type="vertTitleAndTx" preserve="1">
   <p:cSld name="Vertical Title and Text">
     <p:spTree>
@@ -4649,7 +5049,7 @@
           <a:p>
             <a:fld id="{B35B300D-7DF5-4E96-8AA6-60E94C6E9F44}" type="datetimeFigureOut">
               <a:rPr lang="sr-Latn-RS" smtClean="0"/>
-              <a:t>13.3.2018.</a:t>
+              <a:t>11.5.2018.</a:t>
             </a:fld>
             <a:endParaRPr lang="sr-Latn-RS"/>
           </a:p>
@@ -4896,7 +5296,7 @@
           <a:p>
             <a:fld id="{B35B300D-7DF5-4E96-8AA6-60E94C6E9F44}" type="datetimeFigureOut">
               <a:rPr lang="sr-Latn-RS" smtClean="0"/>
-              <a:t>13.3.2018.</a:t>
+              <a:t>11.5.2018.</a:t>
             </a:fld>
             <a:endParaRPr lang="sr-Latn-RS"/>
           </a:p>
@@ -5180,7 +5580,7 @@
           <a:p>
             <a:fld id="{B35B300D-7DF5-4E96-8AA6-60E94C6E9F44}" type="datetimeFigureOut">
               <a:rPr lang="sr-Latn-RS" smtClean="0"/>
-              <a:t>13.3.2018.</a:t>
+              <a:t>11.5.2018.</a:t>
             </a:fld>
             <a:endParaRPr lang="sr-Latn-RS"/>
           </a:p>
@@ -5962,6 +6362,232 @@
 </file>
 
 <file path=ppt/slideLayouts/slideLayout8.xml><?xml version="1.0" encoding="utf-8"?>
+<p:sldLayout xmlns:a="http://schemas.openxmlformats.org/drawingml/2006/main" xmlns:r="http://schemas.openxmlformats.org/officeDocument/2006/relationships" xmlns:p="http://schemas.openxmlformats.org/presentationml/2006/main" preserve="1" userDrawn="1">
+  <p:cSld name="3_Blank">
+    <p:bg>
+      <p:bgRef idx="1002">
+        <a:schemeClr val="bg2"/>
+      </p:bgRef>
+    </p:bg>
+    <p:spTree>
+      <p:nvGrpSpPr>
+        <p:cNvPr id="1" name=""/>
+        <p:cNvGrpSpPr/>
+        <p:nvPr/>
+      </p:nvGrpSpPr>
+      <p:grpSpPr>
+        <a:xfrm>
+          <a:off x="0" y="0"/>
+          <a:ext cx="0" cy="0"/>
+          <a:chOff x="0" y="0"/>
+          <a:chExt cx="0" cy="0"/>
+        </a:xfrm>
+      </p:grpSpPr>
+      <p:sp>
+        <p:nvSpPr>
+          <p:cNvPr id="9" name="Rectangle 8"/>
+          <p:cNvSpPr/>
+          <p:nvPr userDrawn="1"/>
+        </p:nvSpPr>
+        <p:spPr>
+          <a:xfrm>
+            <a:off x="6913984" y="0"/>
+            <a:ext cx="5278016" cy="6858000"/>
+          </a:xfrm>
+          <a:prstGeom prst="rect">
+            <a:avLst/>
+          </a:prstGeom>
+          <a:ln>
+            <a:noFill/>
+          </a:ln>
+        </p:spPr>
+        <p:style>
+          <a:lnRef idx="2">
+            <a:schemeClr val="accent1">
+              <a:shade val="50000"/>
+            </a:schemeClr>
+          </a:lnRef>
+          <a:fillRef idx="1">
+            <a:schemeClr val="accent1"/>
+          </a:fillRef>
+          <a:effectRef idx="0">
+            <a:schemeClr val="accent1"/>
+          </a:effectRef>
+          <a:fontRef idx="minor">
+            <a:schemeClr val="lt1"/>
+          </a:fontRef>
+        </p:style>
+        <p:txBody>
+          <a:bodyPr rtlCol="0" anchor="ctr"/>
+          <a:lstStyle/>
+          <a:p>
+            <a:pPr algn="ctr"/>
+            <a:endParaRPr lang="sr-Latn-RS"/>
+          </a:p>
+        </p:txBody>
+      </p:sp>
+      <p:sp>
+        <p:nvSpPr>
+          <p:cNvPr id="11" name="Title 9"/>
+          <p:cNvSpPr txBox="1">
+            <a:spLocks/>
+          </p:cNvSpPr>
+          <p:nvPr userDrawn="1"/>
+        </p:nvSpPr>
+        <p:spPr>
+          <a:xfrm>
+            <a:off x="7445829" y="1558210"/>
+            <a:ext cx="4430486" cy="1561422"/>
+          </a:xfrm>
+          <a:prstGeom prst="rect">
+            <a:avLst/>
+          </a:prstGeom>
+        </p:spPr>
+        <p:txBody>
+          <a:bodyPr lIns="0" tIns="0" rIns="0" bIns="0" anchor="ctr"/>
+          <a:lstStyle>
+            <a:lvl1pPr algn="l" defTabSz="914400" rtl="0" eaLnBrk="1" latinLnBrk="0" hangingPunct="1">
+              <a:lnSpc>
+                <a:spcPct val="90000"/>
+              </a:lnSpc>
+              <a:spcBef>
+                <a:spcPct val="0"/>
+              </a:spcBef>
+              <a:buNone/>
+              <a:defRPr sz="4400" kern="1200">
+                <a:solidFill>
+                  <a:schemeClr val="tx1"/>
+                </a:solidFill>
+                <a:latin typeface="+mj-lt"/>
+                <a:ea typeface="+mj-ea"/>
+                <a:cs typeface="+mj-cs"/>
+              </a:defRPr>
+            </a:lvl1pPr>
+          </a:lstStyle>
+          <a:p>
+            <a:r>
+              <a:rPr lang="en-US" sz="3600" smtClean="0"/>
+              <a:t>Lekcija</a:t>
+            </a:r>
+          </a:p>
+          <a:p>
+            <a:endParaRPr lang="en-US" sz="3600" smtClean="0"/>
+          </a:p>
+          <a:p>
+            <a:r>
+              <a:rPr lang="en-US" sz="3600" baseline="0" smtClean="0"/>
+              <a:t>Git </a:t>
+            </a:r>
+            <a:r>
+              <a:rPr lang="en-US" sz="3600" baseline="0" smtClean="0"/>
+              <a:t>- osnove</a:t>
+            </a:r>
+            <a:endParaRPr lang="sr-Latn-RS" sz="3600"/>
+          </a:p>
+        </p:txBody>
+      </p:sp>
+      <p:sp>
+        <p:nvSpPr>
+          <p:cNvPr id="3" name="Text Placeholder 2"/>
+          <p:cNvSpPr>
+            <a:spLocks noGrp="1"/>
+          </p:cNvSpPr>
+          <p:nvPr>
+            <p:ph type="body" sz="quarter" idx="10" hasCustomPrompt="1"/>
+          </p:nvPr>
+        </p:nvSpPr>
+        <p:spPr>
+          <a:xfrm>
+            <a:off x="625475" y="1457325"/>
+            <a:ext cx="5816600" cy="2406650"/>
+          </a:xfrm>
+        </p:spPr>
+        <p:txBody>
+          <a:bodyPr/>
+          <a:lstStyle>
+            <a:lvl1pPr>
+              <a:defRPr/>
+            </a:lvl1pPr>
+          </a:lstStyle>
+          <a:p>
+            <a:pPr lvl="0"/>
+            <a:r>
+              <a:rPr lang="en-US" smtClean="0"/>
+              <a:t>Sekcija </a:t>
+            </a:r>
+          </a:p>
+          <a:p>
+            <a:pPr lvl="0"/>
+            <a:r>
+              <a:rPr lang="en-US" smtClean="0"/>
+              <a:t>GIT</a:t>
+            </a:r>
+            <a:endParaRPr lang="sr-Latn-RS"/>
+          </a:p>
+        </p:txBody>
+      </p:sp>
+      <p:pic>
+        <p:nvPicPr>
+          <p:cNvPr id="2050" name="Picture 2" descr="Image result"/>
+          <p:cNvPicPr>
+            <a:picLocks noChangeAspect="1" noChangeArrowheads="1"/>
+          </p:cNvPicPr>
+          <p:nvPr userDrawn="1"/>
+        </p:nvPicPr>
+        <p:blipFill>
+          <a:blip r:embed="rId2">
+            <a:extLst>
+              <a:ext uri="{28A0092B-C50C-407E-A947-70E740481C1C}">
+                <a14:useLocalDpi xmlns:a14="http://schemas.microsoft.com/office/drawing/2010/main" val="0"/>
+              </a:ext>
+            </a:extLst>
+          </a:blip>
+          <a:srcRect/>
+          <a:stretch>
+            <a:fillRect/>
+          </a:stretch>
+        </p:blipFill>
+        <p:spPr bwMode="auto">
+          <a:xfrm>
+            <a:off x="9940171" y="4595464"/>
+            <a:ext cx="2123603" cy="2123604"/>
+          </a:xfrm>
+          <a:prstGeom prst="rect">
+            <a:avLst/>
+          </a:prstGeom>
+          <a:noFill/>
+          <a:extLst>
+            <a:ext uri="{909E8E84-426E-40DD-AFC4-6F175D3DCCD1}">
+              <a14:hiddenFill xmlns:a14="http://schemas.microsoft.com/office/drawing/2010/main">
+                <a:solidFill>
+                  <a:srgbClr val="FFFFFF"/>
+                </a:solidFill>
+              </a14:hiddenFill>
+            </a:ext>
+          </a:extLst>
+        </p:spPr>
+      </p:pic>
+    </p:spTree>
+    <p:extLst>
+      <p:ext uri="{BB962C8B-B14F-4D97-AF65-F5344CB8AC3E}">
+        <p14:creationId xmlns:p14="http://schemas.microsoft.com/office/powerpoint/2010/main" val="1811574756"/>
+      </p:ext>
+    </p:extLst>
+  </p:cSld>
+  <p:clrMapOvr>
+    <a:overrideClrMapping bg1="dk1" tx1="lt1" bg2="dk2" tx2="lt2" accent1="accent1" accent2="accent2" accent3="accent3" accent4="accent4" accent5="accent5" accent6="accent6" hlink="hlink" folHlink="folHlink"/>
+  </p:clrMapOvr>
+  <p:timing>
+    <p:tnLst>
+      <p:par>
+        <p:cTn id="1" dur="indefinite" restart="never" nodeType="tmRoot"/>
+      </p:par>
+    </p:tnLst>
+  </p:timing>
+</p:sldLayout>
+</file>
+
+<file path=ppt/slideLayouts/slideLayout9.xml><?xml version="1.0" encoding="utf-8"?>
 <p:sldLayout xmlns:a="http://schemas.openxmlformats.org/drawingml/2006/main" xmlns:r="http://schemas.openxmlformats.org/officeDocument/2006/relationships" xmlns:p="http://schemas.openxmlformats.org/presentationml/2006/main" type="titleOnly" preserve="1">
   <p:cSld name="Title Only">
     <p:spTree>
@@ -6062,90 +6688,6 @@
 </p:sldLayout>
 </file>
 
-<file path=ppt/slideLayouts/slideLayout9.xml><?xml version="1.0" encoding="utf-8"?>
-<p:sldLayout xmlns:a="http://schemas.openxmlformats.org/drawingml/2006/main" xmlns:r="http://schemas.openxmlformats.org/officeDocument/2006/relationships" xmlns:p="http://schemas.openxmlformats.org/presentationml/2006/main" type="titleOnly" preserve="1">
-  <p:cSld name="1_Title Only">
-    <p:spTree>
-      <p:nvGrpSpPr>
-        <p:cNvPr id="1" name=""/>
-        <p:cNvGrpSpPr/>
-        <p:nvPr/>
-      </p:nvGrpSpPr>
-      <p:grpSpPr>
-        <a:xfrm>
-          <a:off x="0" y="0"/>
-          <a:ext cx="0" cy="0"/>
-          <a:chOff x="0" y="0"/>
-          <a:chExt cx="0" cy="0"/>
-        </a:xfrm>
-      </p:grpSpPr>
-      <p:sp>
-        <p:nvSpPr>
-          <p:cNvPr id="2" name="Title 1"/>
-          <p:cNvSpPr>
-            <a:spLocks noGrp="1"/>
-          </p:cNvSpPr>
-          <p:nvPr>
-            <p:ph type="title"/>
-          </p:nvPr>
-        </p:nvSpPr>
-        <p:spPr/>
-        <p:txBody>
-          <a:bodyPr/>
-          <a:lstStyle/>
-          <a:p>
-            <a:r>
-              <a:rPr lang="en-US" smtClean="0"/>
-              <a:t>Click to edit Master title style</a:t>
-            </a:r>
-            <a:endParaRPr lang="sr-Latn-RS"/>
-          </a:p>
-        </p:txBody>
-      </p:sp>
-      <p:pic>
-        <p:nvPicPr>
-          <p:cNvPr id="4" name="Picture 3"/>
-          <p:cNvPicPr>
-            <a:picLocks noChangeAspect="1"/>
-          </p:cNvPicPr>
-          <p:nvPr userDrawn="1"/>
-        </p:nvPicPr>
-        <p:blipFill>
-          <a:blip r:embed="rId2"/>
-          <a:stretch>
-            <a:fillRect/>
-          </a:stretch>
-        </p:blipFill>
-        <p:spPr>
-          <a:xfrm>
-            <a:off x="10053634" y="4714875"/>
-            <a:ext cx="2143125" cy="2143125"/>
-          </a:xfrm>
-          <a:prstGeom prst="rect">
-            <a:avLst/>
-          </a:prstGeom>
-        </p:spPr>
-      </p:pic>
-    </p:spTree>
-    <p:extLst>
-      <p:ext uri="{BB962C8B-B14F-4D97-AF65-F5344CB8AC3E}">
-        <p14:creationId xmlns:p14="http://schemas.microsoft.com/office/powerpoint/2010/main" val="920855365"/>
-      </p:ext>
-    </p:extLst>
-  </p:cSld>
-  <p:clrMapOvr>
-    <a:masterClrMapping/>
-  </p:clrMapOvr>
-  <p:timing>
-    <p:tnLst>
-      <p:par>
-        <p:cTn id="1" dur="indefinite" restart="never" nodeType="tmRoot"/>
-      </p:par>
-    </p:tnLst>
-  </p:timing>
-</p:sldLayout>
-</file>
-
 <file path=ppt/slideMasters/slideMaster1.xml><?xml version="1.0" encoding="utf-8"?>
 <p:sldMaster xmlns:a="http://schemas.openxmlformats.org/drawingml/2006/main" xmlns:r="http://schemas.openxmlformats.org/officeDocument/2006/relationships" xmlns:p="http://schemas.openxmlformats.org/presentationml/2006/main" preserve="1">
   <p:cSld>
@@ -6298,7 +6840,7 @@
             <a:avLst/>
           </a:prstGeom>
           <a:blipFill>
-            <a:blip r:embed="rId14"/>
+            <a:blip r:embed="rId16"/>
             <a:tile/>
           </a:blipFill>
           <a:ln w="12600">
@@ -6366,7 +6908,7 @@
           <p:nvPr/>
         </p:nvPicPr>
         <p:blipFill>
-          <a:blip r:embed="rId15"/>
+          <a:blip r:embed="rId17"/>
           <a:stretch/>
         </p:blipFill>
         <p:spPr>
@@ -6651,11 +7193,13 @@
     <p:sldLayoutId id="2147483683" r:id="rId5"/>
     <p:sldLayoutId id="2147483688" r:id="rId6"/>
     <p:sldLayoutId id="2147483689" r:id="rId7"/>
-    <p:sldLayoutId id="2147483682" r:id="rId8"/>
-    <p:sldLayoutId id="2147483690" r:id="rId9"/>
-    <p:sldLayoutId id="2147483691" r:id="rId10"/>
-    <p:sldLayoutId id="2147483693" r:id="rId11"/>
-    <p:sldLayoutId id="2147483692" r:id="rId12"/>
+    <p:sldLayoutId id="2147483694" r:id="rId8"/>
+    <p:sldLayoutId id="2147483682" r:id="rId9"/>
+    <p:sldLayoutId id="2147483690" r:id="rId10"/>
+    <p:sldLayoutId id="2147483691" r:id="rId11"/>
+    <p:sldLayoutId id="2147483693" r:id="rId12"/>
+    <p:sldLayoutId id="2147483692" r:id="rId13"/>
+    <p:sldLayoutId id="2147483695" r:id="rId14"/>
   </p:sldLayoutIdLst>
   <p:timing>
     <p:tnLst>
@@ -7099,7 +7643,7 @@
           <a:p>
             <a:fld id="{B35B300D-7DF5-4E96-8AA6-60E94C6E9F44}" type="datetimeFigureOut">
               <a:rPr lang="sr-Latn-RS" smtClean="0"/>
-              <a:t>13.3.2018.</a:t>
+              <a:t>11.5.2018.</a:t>
             </a:fld>
             <a:endParaRPr lang="sr-Latn-RS"/>
           </a:p>
@@ -7533,15 +8077,11 @@
             </a:br>
             <a:r>
               <a:rPr lang="en-US" b="1" smtClean="0"/>
-              <a:t>36 </a:t>
+              <a:t>36 – </a:t>
             </a:r>
             <a:r>
               <a:rPr lang="en-US" b="1" smtClean="0"/>
-              <a:t>– </a:t>
-            </a:r>
-            <a:r>
-              <a:rPr lang="en-US" b="1" smtClean="0"/>
-              <a:t>09.05.2018</a:t>
+              <a:t>12.05.2018</a:t>
             </a:r>
             <a:endParaRPr lang="en-US"/>
           </a:p>
@@ -7590,6 +8130,479 @@
 </p:sld>
 </file>
 
+<file path=ppt/slides/slide10.xml><?xml version="1.0" encoding="utf-8"?>
+<p:sld xmlns:a="http://schemas.openxmlformats.org/drawingml/2006/main" xmlns:r="http://schemas.openxmlformats.org/officeDocument/2006/relationships" xmlns:p="http://schemas.openxmlformats.org/presentationml/2006/main">
+  <p:cSld>
+    <p:spTree>
+      <p:nvGrpSpPr>
+        <p:cNvPr id="1" name=""/>
+        <p:cNvGrpSpPr/>
+        <p:nvPr/>
+      </p:nvGrpSpPr>
+      <p:grpSpPr>
+        <a:xfrm>
+          <a:off x="0" y="0"/>
+          <a:ext cx="0" cy="0"/>
+          <a:chOff x="0" y="0"/>
+          <a:chExt cx="0" cy="0"/>
+        </a:xfrm>
+      </p:grpSpPr>
+      <p:sp>
+        <p:nvSpPr>
+          <p:cNvPr id="2" name="Title 1"/>
+          <p:cNvSpPr>
+            <a:spLocks noGrp="1"/>
+          </p:cNvSpPr>
+          <p:nvPr>
+            <p:ph type="title"/>
+          </p:nvPr>
+        </p:nvSpPr>
+        <p:spPr/>
+        <p:txBody>
+          <a:bodyPr/>
+          <a:lstStyle/>
+          <a:p>
+            <a:r>
+              <a:rPr lang="en-US" smtClean="0"/>
+              <a:t>Benefit 2</a:t>
+            </a:r>
+            <a:endParaRPr lang="sr-Latn-RS"/>
+          </a:p>
+        </p:txBody>
+      </p:sp>
+      <p:pic>
+        <p:nvPicPr>
+          <p:cNvPr id="4" name="Content Placeholder 3"/>
+          <p:cNvPicPr>
+            <a:picLocks noGrp="1" noChangeAspect="1"/>
+          </p:cNvPicPr>
+          <p:nvPr>
+            <p:ph sz="quarter" idx="10"/>
+          </p:nvPr>
+        </p:nvPicPr>
+        <p:blipFill>
+          <a:blip r:embed="rId2"/>
+          <a:stretch>
+            <a:fillRect/>
+          </a:stretch>
+        </p:blipFill>
+        <p:spPr>
+          <a:xfrm>
+            <a:off x="2222889" y="1842036"/>
+            <a:ext cx="5801535" cy="3696216"/>
+          </a:xfrm>
+          <a:prstGeom prst="rect">
+            <a:avLst/>
+          </a:prstGeom>
+        </p:spPr>
+      </p:pic>
+    </p:spTree>
+    <p:extLst>
+      <p:ext uri="{BB962C8B-B14F-4D97-AF65-F5344CB8AC3E}">
+        <p14:creationId xmlns:p14="http://schemas.microsoft.com/office/powerpoint/2010/main" val="149596937"/>
+      </p:ext>
+    </p:extLst>
+  </p:cSld>
+  <p:clrMapOvr>
+    <a:masterClrMapping/>
+  </p:clrMapOvr>
+</p:sld>
+</file>
+
+<file path=ppt/slides/slide11.xml><?xml version="1.0" encoding="utf-8"?>
+<p:sld xmlns:a="http://schemas.openxmlformats.org/drawingml/2006/main" xmlns:r="http://schemas.openxmlformats.org/officeDocument/2006/relationships" xmlns:p="http://schemas.openxmlformats.org/presentationml/2006/main">
+  <p:cSld>
+    <p:spTree>
+      <p:nvGrpSpPr>
+        <p:cNvPr id="1" name=""/>
+        <p:cNvGrpSpPr/>
+        <p:nvPr/>
+      </p:nvGrpSpPr>
+      <p:grpSpPr>
+        <a:xfrm>
+          <a:off x="0" y="0"/>
+          <a:ext cx="0" cy="0"/>
+          <a:chOff x="0" y="0"/>
+          <a:chExt cx="0" cy="0"/>
+        </a:xfrm>
+      </p:grpSpPr>
+      <p:sp>
+        <p:nvSpPr>
+          <p:cNvPr id="2" name="Title 1"/>
+          <p:cNvSpPr>
+            <a:spLocks noGrp="1"/>
+          </p:cNvSpPr>
+          <p:nvPr>
+            <p:ph type="title"/>
+          </p:nvPr>
+        </p:nvSpPr>
+        <p:spPr/>
+        <p:txBody>
+          <a:bodyPr/>
+          <a:lstStyle/>
+          <a:p>
+            <a:r>
+              <a:rPr lang="en-US" smtClean="0"/>
+              <a:t>Benefit 3</a:t>
+            </a:r>
+            <a:endParaRPr lang="sr-Latn-RS"/>
+          </a:p>
+        </p:txBody>
+      </p:sp>
+      <p:pic>
+        <p:nvPicPr>
+          <p:cNvPr id="4" name="Content Placeholder 3"/>
+          <p:cNvPicPr>
+            <a:picLocks noGrp="1" noChangeAspect="1"/>
+          </p:cNvPicPr>
+          <p:nvPr>
+            <p:ph sz="quarter" idx="10"/>
+          </p:nvPr>
+        </p:nvPicPr>
+        <p:blipFill>
+          <a:blip r:embed="rId2"/>
+          <a:stretch>
+            <a:fillRect/>
+          </a:stretch>
+        </p:blipFill>
+        <p:spPr>
+          <a:xfrm>
+            <a:off x="2431327" y="1754188"/>
+            <a:ext cx="5384658" cy="3871912"/>
+          </a:xfrm>
+          <a:prstGeom prst="rect">
+            <a:avLst/>
+          </a:prstGeom>
+        </p:spPr>
+      </p:pic>
+    </p:spTree>
+    <p:extLst>
+      <p:ext uri="{BB962C8B-B14F-4D97-AF65-F5344CB8AC3E}">
+        <p14:creationId xmlns:p14="http://schemas.microsoft.com/office/powerpoint/2010/main" val="2023911343"/>
+      </p:ext>
+    </p:extLst>
+  </p:cSld>
+  <p:clrMapOvr>
+    <a:masterClrMapping/>
+  </p:clrMapOvr>
+</p:sld>
+</file>
+
+<file path=ppt/slides/slide12.xml><?xml version="1.0" encoding="utf-8"?>
+<p:sld xmlns:a="http://schemas.openxmlformats.org/drawingml/2006/main" xmlns:r="http://schemas.openxmlformats.org/officeDocument/2006/relationships" xmlns:p="http://schemas.openxmlformats.org/presentationml/2006/main">
+  <p:cSld>
+    <p:spTree>
+      <p:nvGrpSpPr>
+        <p:cNvPr id="1" name=""/>
+        <p:cNvGrpSpPr/>
+        <p:nvPr/>
+      </p:nvGrpSpPr>
+      <p:grpSpPr>
+        <a:xfrm>
+          <a:off x="0" y="0"/>
+          <a:ext cx="0" cy="0"/>
+          <a:chOff x="0" y="0"/>
+          <a:chExt cx="0" cy="0"/>
+        </a:xfrm>
+      </p:grpSpPr>
+      <p:sp>
+        <p:nvSpPr>
+          <p:cNvPr id="2" name="Title 1"/>
+          <p:cNvSpPr>
+            <a:spLocks noGrp="1"/>
+          </p:cNvSpPr>
+          <p:nvPr>
+            <p:ph type="title"/>
+          </p:nvPr>
+        </p:nvSpPr>
+        <p:spPr/>
+        <p:txBody>
+          <a:bodyPr/>
+          <a:lstStyle/>
+          <a:p>
+            <a:r>
+              <a:rPr lang="en-US" smtClean="0"/>
+              <a:t>Preporuka – kako se radi undo?	</a:t>
+            </a:r>
+            <a:endParaRPr lang="sr-Latn-RS"/>
+          </a:p>
+        </p:txBody>
+      </p:sp>
+      <p:sp>
+        <p:nvSpPr>
+          <p:cNvPr id="3" name="Content Placeholder 2"/>
+          <p:cNvSpPr>
+            <a:spLocks noGrp="1"/>
+          </p:cNvSpPr>
+          <p:nvPr>
+            <p:ph sz="quarter" idx="10"/>
+          </p:nvPr>
+        </p:nvSpPr>
+        <p:spPr/>
+        <p:txBody>
+          <a:bodyPr/>
+          <a:lstStyle/>
+          <a:p>
+            <a:r>
+              <a:rPr lang="sr-Latn-RS">
+                <a:hlinkClick r:id="rId2"/>
+              </a:rPr>
+              <a:t>https://</a:t>
+            </a:r>
+            <a:r>
+              <a:rPr lang="sr-Latn-RS">
+                <a:hlinkClick r:id="rId2"/>
+              </a:rPr>
+              <a:t>blog.github.com/2015-06-08-how-to-undo-almost-anything-with-git</a:t>
+            </a:r>
+            <a:r>
+              <a:rPr lang="sr-Latn-RS" smtClean="0">
+                <a:hlinkClick r:id="rId2"/>
+              </a:rPr>
+              <a:t>/</a:t>
+            </a:r>
+            <a:endParaRPr lang="en-US" smtClean="0"/>
+          </a:p>
+          <a:p>
+            <a:endParaRPr lang="sr-Latn-RS"/>
+          </a:p>
+        </p:txBody>
+      </p:sp>
+      <p:pic>
+        <p:nvPicPr>
+          <p:cNvPr id="4" name="Picture 3"/>
+          <p:cNvPicPr>
+            <a:picLocks noChangeAspect="1"/>
+          </p:cNvPicPr>
+          <p:nvPr/>
+        </p:nvPicPr>
+        <p:blipFill>
+          <a:blip r:embed="rId3"/>
+          <a:stretch>
+            <a:fillRect/>
+          </a:stretch>
+        </p:blipFill>
+        <p:spPr>
+          <a:xfrm>
+            <a:off x="1660835" y="2672560"/>
+            <a:ext cx="6925642" cy="3458058"/>
+          </a:xfrm>
+          <a:prstGeom prst="rect">
+            <a:avLst/>
+          </a:prstGeom>
+        </p:spPr>
+      </p:pic>
+    </p:spTree>
+    <p:extLst>
+      <p:ext uri="{BB962C8B-B14F-4D97-AF65-F5344CB8AC3E}">
+        <p14:creationId xmlns:p14="http://schemas.microsoft.com/office/powerpoint/2010/main" val="1562180201"/>
+      </p:ext>
+    </p:extLst>
+  </p:cSld>
+  <p:clrMapOvr>
+    <a:masterClrMapping/>
+  </p:clrMapOvr>
+</p:sld>
+</file>
+
+<file path=ppt/slides/slide13.xml><?xml version="1.0" encoding="utf-8"?>
+<p:sld xmlns:a="http://schemas.openxmlformats.org/drawingml/2006/main" xmlns:r="http://schemas.openxmlformats.org/officeDocument/2006/relationships" xmlns:p="http://schemas.openxmlformats.org/presentationml/2006/main">
+  <p:cSld>
+    <p:spTree>
+      <p:nvGrpSpPr>
+        <p:cNvPr id="1" name=""/>
+        <p:cNvGrpSpPr/>
+        <p:nvPr/>
+      </p:nvGrpSpPr>
+      <p:grpSpPr>
+        <a:xfrm>
+          <a:off x="0" y="0"/>
+          <a:ext cx="0" cy="0"/>
+          <a:chOff x="0" y="0"/>
+          <a:chExt cx="0" cy="0"/>
+        </a:xfrm>
+      </p:grpSpPr>
+      <p:sp>
+        <p:nvSpPr>
+          <p:cNvPr id="3" name="Title 2"/>
+          <p:cNvSpPr>
+            <a:spLocks noGrp="1"/>
+          </p:cNvSpPr>
+          <p:nvPr>
+            <p:ph type="title"/>
+          </p:nvPr>
+        </p:nvSpPr>
+        <p:spPr/>
+        <p:txBody>
+          <a:bodyPr/>
+          <a:lstStyle/>
+          <a:p>
+            <a:r>
+              <a:rPr lang="en-US" smtClean="0"/>
+              <a:t>Coding </a:t>
+            </a:r>
+            <a:r>
+              <a:rPr lang="en-US"/>
+              <a:t>Challenge</a:t>
+            </a:r>
+            <a:r>
+              <a:rPr lang="en-US" smtClean="0"/>
+              <a:t> 1</a:t>
+            </a:r>
+            <a:endParaRPr lang="sr-Latn-RS"/>
+          </a:p>
+        </p:txBody>
+      </p:sp>
+      <p:sp>
+        <p:nvSpPr>
+          <p:cNvPr id="4" name="Content Placeholder 3"/>
+          <p:cNvSpPr>
+            <a:spLocks noGrp="1"/>
+          </p:cNvSpPr>
+          <p:nvPr>
+            <p:ph sz="quarter" idx="10"/>
+          </p:nvPr>
+        </p:nvSpPr>
+        <p:spPr/>
+        <p:txBody>
+          <a:bodyPr/>
+          <a:lstStyle/>
+          <a:p>
+            <a:r>
+              <a:rPr lang="sr-Latn-RS">
+                <a:hlinkClick r:id="rId2"/>
+              </a:rPr>
+              <a:t>https://</a:t>
+            </a:r>
+            <a:r>
+              <a:rPr lang="sr-Latn-RS">
+                <a:hlinkClick r:id="rId2"/>
+              </a:rPr>
+              <a:t>guides.github.com/activities/hello-world</a:t>
+            </a:r>
+            <a:r>
+              <a:rPr lang="sr-Latn-RS" smtClean="0">
+                <a:hlinkClick r:id="rId2"/>
+              </a:rPr>
+              <a:t>/</a:t>
+            </a:r>
+            <a:endParaRPr lang="en-US" smtClean="0"/>
+          </a:p>
+          <a:p>
+            <a:endParaRPr lang="sr-Latn-RS"/>
+          </a:p>
+        </p:txBody>
+      </p:sp>
+    </p:spTree>
+    <p:extLst>
+      <p:ext uri="{BB962C8B-B14F-4D97-AF65-F5344CB8AC3E}">
+        <p14:creationId xmlns:p14="http://schemas.microsoft.com/office/powerpoint/2010/main" val="952373334"/>
+      </p:ext>
+    </p:extLst>
+  </p:cSld>
+  <p:clrMapOvr>
+    <a:masterClrMapping/>
+  </p:clrMapOvr>
+</p:sld>
+</file>
+
+<file path=ppt/slides/slide14.xml><?xml version="1.0" encoding="utf-8"?>
+<p:sld xmlns:a="http://schemas.openxmlformats.org/drawingml/2006/main" xmlns:r="http://schemas.openxmlformats.org/officeDocument/2006/relationships" xmlns:p="http://schemas.openxmlformats.org/presentationml/2006/main">
+  <p:cSld>
+    <p:spTree>
+      <p:nvGrpSpPr>
+        <p:cNvPr id="1" name=""/>
+        <p:cNvGrpSpPr/>
+        <p:nvPr/>
+      </p:nvGrpSpPr>
+      <p:grpSpPr>
+        <a:xfrm>
+          <a:off x="0" y="0"/>
+          <a:ext cx="0" cy="0"/>
+          <a:chOff x="0" y="0"/>
+          <a:chExt cx="0" cy="0"/>
+        </a:xfrm>
+      </p:grpSpPr>
+      <p:sp>
+        <p:nvSpPr>
+          <p:cNvPr id="2" name="Title 1"/>
+          <p:cNvSpPr>
+            <a:spLocks noGrp="1"/>
+          </p:cNvSpPr>
+          <p:nvPr>
+            <p:ph type="title"/>
+          </p:nvPr>
+        </p:nvSpPr>
+        <p:spPr/>
+        <p:txBody>
+          <a:bodyPr/>
+          <a:lstStyle/>
+          <a:p>
+            <a:r>
+              <a:rPr lang="en-US"/>
+              <a:t>Coding </a:t>
+            </a:r>
+            <a:r>
+              <a:rPr lang="en-US" smtClean="0"/>
+              <a:t>Challenge 2</a:t>
+            </a:r>
+            <a:endParaRPr lang="sr-Latn-RS"/>
+          </a:p>
+        </p:txBody>
+      </p:sp>
+      <p:sp>
+        <p:nvSpPr>
+          <p:cNvPr id="3" name="Content Placeholder 2"/>
+          <p:cNvSpPr>
+            <a:spLocks noGrp="1"/>
+          </p:cNvSpPr>
+          <p:nvPr>
+            <p:ph sz="quarter" idx="10"/>
+          </p:nvPr>
+        </p:nvSpPr>
+        <p:spPr/>
+        <p:txBody>
+          <a:bodyPr/>
+          <a:lstStyle/>
+          <a:p>
+            <a:r>
+              <a:rPr lang="sr-Latn-RS">
+                <a:hlinkClick r:id="rId2"/>
+              </a:rPr>
+              <a:t>https</a:t>
+            </a:r>
+            <a:r>
+              <a:rPr lang="sr-Latn-RS">
+                <a:hlinkClick r:id="rId2"/>
+              </a:rPr>
+              <a:t>://</a:t>
+            </a:r>
+            <a:r>
+              <a:rPr lang="sr-Latn-RS" smtClean="0">
+                <a:hlinkClick r:id="rId2"/>
+              </a:rPr>
+              <a:t>try.github.io/levels/1/challenges/1</a:t>
+            </a:r>
+            <a:endParaRPr lang="en-US" smtClean="0"/>
+          </a:p>
+          <a:p>
+            <a:endParaRPr lang="sr-Latn-RS"/>
+          </a:p>
+        </p:txBody>
+      </p:sp>
+    </p:spTree>
+    <p:extLst>
+      <p:ext uri="{BB962C8B-B14F-4D97-AF65-F5344CB8AC3E}">
+        <p14:creationId xmlns:p14="http://schemas.microsoft.com/office/powerpoint/2010/main" val="372951049"/>
+      </p:ext>
+    </p:extLst>
+  </p:cSld>
+  <p:clrMapOvr>
+    <a:masterClrMapping/>
+  </p:clrMapOvr>
+</p:sld>
+</file>
+
 <file path=ppt/slides/slide2.xml><?xml version="1.0" encoding="utf-8"?>
 <p:sld xmlns:a="http://schemas.openxmlformats.org/drawingml/2006/main" xmlns:r="http://schemas.openxmlformats.org/officeDocument/2006/relationships" xmlns:p="http://schemas.openxmlformats.org/presentationml/2006/main">
   <p:cSld>
@@ -7670,7 +8683,7 @@
           <p:nvPr>
             <p:extLst>
               <p:ext uri="{D42A27DB-BD31-4B8C-83A1-F6EECF244321}">
-                <p14:modId xmlns:p14="http://schemas.microsoft.com/office/powerpoint/2010/main" val="571710413"/>
+                <p14:modId xmlns:p14="http://schemas.microsoft.com/office/powerpoint/2010/main" val="384503664"/>
               </p:ext>
             </p:extLst>
           </p:nvPr>
@@ -7795,6 +8808,24 @@
           <a:lstStyle/>
           <a:p>
             <a:pPr lvl="1"/>
+            <a:r>
+              <a:rPr lang="en-US" smtClean="0"/>
+              <a:t>sessionStorage</a:t>
+            </a:r>
+          </a:p>
+          <a:p>
+            <a:pPr lvl="1"/>
+            <a:r>
+              <a:rPr lang="en-US" smtClean="0"/>
+              <a:t>localStorage</a:t>
+            </a:r>
+          </a:p>
+          <a:p>
+            <a:pPr lvl="1"/>
+            <a:r>
+              <a:rPr lang="en-US" smtClean="0"/>
+              <a:t>Baze podataka</a:t>
+            </a:r>
             <a:endParaRPr lang="en-US" smtClean="0"/>
           </a:p>
         </p:txBody>
@@ -7877,38 +8908,9 @@
           <a:p>
             <a:r>
               <a:rPr lang="en-US" smtClean="0"/>
-              <a:t>HTML</a:t>
+              <a:t>Git</a:t>
             </a:r>
             <a:endParaRPr lang="sr-Latn-RS" smtClean="0"/>
-          </a:p>
-        </p:txBody>
-      </p:sp>
-      <p:sp>
-        <p:nvSpPr>
-          <p:cNvPr id="6" name="Text Placeholder 5"/>
-          <p:cNvSpPr>
-            <a:spLocks noGrp="1"/>
-          </p:cNvSpPr>
-          <p:nvPr>
-            <p:ph type="body" sz="quarter" idx="4294967295"/>
-          </p:nvPr>
-        </p:nvSpPr>
-        <p:spPr>
-          <a:xfrm>
-            <a:off x="7368309" y="3196013"/>
-            <a:ext cx="4699000" cy="1930400"/>
-          </a:xfrm>
-        </p:spPr>
-        <p:txBody>
-          <a:bodyPr/>
-          <a:lstStyle/>
-          <a:p>
-            <a:pPr lvl="0"/>
-            <a:r>
-              <a:rPr lang="en-US" sz="4000" smtClean="0"/>
-              <a:t>text</a:t>
-            </a:r>
-            <a:endParaRPr lang="en-US" sz="4000"/>
           </a:p>
         </p:txBody>
       </p:sp>
@@ -7929,6 +8931,401 @@
       </p:par>
     </p:tnLst>
   </p:timing>
+</p:sld>
+</file>
+
+<file path=ppt/slides/slide5.xml><?xml version="1.0" encoding="utf-8"?>
+<p:sld xmlns:a="http://schemas.openxmlformats.org/drawingml/2006/main" xmlns:r="http://schemas.openxmlformats.org/officeDocument/2006/relationships" xmlns:p="http://schemas.openxmlformats.org/presentationml/2006/main">
+  <p:cSld>
+    <p:spTree>
+      <p:nvGrpSpPr>
+        <p:cNvPr id="1" name=""/>
+        <p:cNvGrpSpPr/>
+        <p:nvPr/>
+      </p:nvGrpSpPr>
+      <p:grpSpPr>
+        <a:xfrm>
+          <a:off x="0" y="0"/>
+          <a:ext cx="0" cy="0"/>
+          <a:chOff x="0" y="0"/>
+          <a:chExt cx="0" cy="0"/>
+        </a:xfrm>
+      </p:grpSpPr>
+      <p:sp>
+        <p:nvSpPr>
+          <p:cNvPr id="4" name="Title 3"/>
+          <p:cNvSpPr>
+            <a:spLocks noGrp="1"/>
+          </p:cNvSpPr>
+          <p:nvPr>
+            <p:ph type="title"/>
+          </p:nvPr>
+        </p:nvSpPr>
+        <p:spPr/>
+        <p:txBody>
+          <a:bodyPr/>
+          <a:lstStyle/>
+          <a:p>
+            <a:r>
+              <a:rPr lang="en-US" smtClean="0"/>
+              <a:t>Istorija i znacenja</a:t>
+            </a:r>
+            <a:endParaRPr lang="sr-Latn-RS"/>
+          </a:p>
+        </p:txBody>
+      </p:sp>
+      <p:pic>
+        <p:nvPicPr>
+          <p:cNvPr id="6" name="Content Placeholder 5"/>
+          <p:cNvPicPr>
+            <a:picLocks noGrp="1" noChangeAspect="1"/>
+          </p:cNvPicPr>
+          <p:nvPr>
+            <p:ph sz="quarter" idx="10"/>
+          </p:nvPr>
+        </p:nvPicPr>
+        <p:blipFill>
+          <a:blip r:embed="rId2"/>
+          <a:stretch>
+            <a:fillRect/>
+          </a:stretch>
+        </p:blipFill>
+        <p:spPr>
+          <a:xfrm>
+            <a:off x="2639465" y="1163984"/>
+            <a:ext cx="6912470" cy="5279660"/>
+          </a:xfrm>
+          <a:prstGeom prst="rect">
+            <a:avLst/>
+          </a:prstGeom>
+        </p:spPr>
+      </p:pic>
+    </p:spTree>
+    <p:extLst>
+      <p:ext uri="{BB962C8B-B14F-4D97-AF65-F5344CB8AC3E}">
+        <p14:creationId xmlns:p14="http://schemas.microsoft.com/office/powerpoint/2010/main" val="3248538690"/>
+      </p:ext>
+    </p:extLst>
+  </p:cSld>
+  <p:clrMapOvr>
+    <a:masterClrMapping/>
+  </p:clrMapOvr>
+</p:sld>
+</file>
+
+<file path=ppt/slides/slide6.xml><?xml version="1.0" encoding="utf-8"?>
+<p:sld xmlns:a="http://schemas.openxmlformats.org/drawingml/2006/main" xmlns:r="http://schemas.openxmlformats.org/officeDocument/2006/relationships" xmlns:p="http://schemas.openxmlformats.org/presentationml/2006/main">
+  <p:cSld>
+    <p:spTree>
+      <p:nvGrpSpPr>
+        <p:cNvPr id="1" name=""/>
+        <p:cNvGrpSpPr/>
+        <p:nvPr/>
+      </p:nvGrpSpPr>
+      <p:grpSpPr>
+        <a:xfrm>
+          <a:off x="0" y="0"/>
+          <a:ext cx="0" cy="0"/>
+          <a:chOff x="0" y="0"/>
+          <a:chExt cx="0" cy="0"/>
+        </a:xfrm>
+      </p:grpSpPr>
+      <p:sp>
+        <p:nvSpPr>
+          <p:cNvPr id="2" name="Title 1"/>
+          <p:cNvSpPr>
+            <a:spLocks noGrp="1"/>
+          </p:cNvSpPr>
+          <p:nvPr>
+            <p:ph type="title"/>
+          </p:nvPr>
+        </p:nvSpPr>
+        <p:spPr/>
+        <p:txBody>
+          <a:bodyPr/>
+          <a:lstStyle/>
+          <a:p>
+            <a:r>
+              <a:rPr lang="en-US" smtClean="0"/>
+              <a:t>Terminologija</a:t>
+            </a:r>
+            <a:endParaRPr lang="sr-Latn-RS"/>
+          </a:p>
+        </p:txBody>
+      </p:sp>
+      <p:pic>
+        <p:nvPicPr>
+          <p:cNvPr id="4" name="Content Placeholder 3"/>
+          <p:cNvPicPr>
+            <a:picLocks noGrp="1" noChangeAspect="1"/>
+          </p:cNvPicPr>
+          <p:nvPr>
+            <p:ph sz="quarter" idx="10"/>
+          </p:nvPr>
+        </p:nvPicPr>
+        <p:blipFill>
+          <a:blip r:embed="rId2"/>
+          <a:stretch>
+            <a:fillRect/>
+          </a:stretch>
+        </p:blipFill>
+        <p:spPr>
+          <a:xfrm>
+            <a:off x="1770888" y="1172297"/>
+            <a:ext cx="6832785" cy="4594731"/>
+          </a:xfrm>
+          <a:prstGeom prst="rect">
+            <a:avLst/>
+          </a:prstGeom>
+        </p:spPr>
+      </p:pic>
+    </p:spTree>
+    <p:extLst>
+      <p:ext uri="{BB962C8B-B14F-4D97-AF65-F5344CB8AC3E}">
+        <p14:creationId xmlns:p14="http://schemas.microsoft.com/office/powerpoint/2010/main" val="2706737154"/>
+      </p:ext>
+    </p:extLst>
+  </p:cSld>
+  <p:clrMapOvr>
+    <a:masterClrMapping/>
+  </p:clrMapOvr>
+</p:sld>
+</file>
+
+<file path=ppt/slides/slide7.xml><?xml version="1.0" encoding="utf-8"?>
+<p:sld xmlns:a="http://schemas.openxmlformats.org/drawingml/2006/main" xmlns:r="http://schemas.openxmlformats.org/officeDocument/2006/relationships" xmlns:p="http://schemas.openxmlformats.org/presentationml/2006/main">
+  <p:cSld>
+    <p:spTree>
+      <p:nvGrpSpPr>
+        <p:cNvPr id="1" name=""/>
+        <p:cNvGrpSpPr/>
+        <p:nvPr/>
+      </p:nvGrpSpPr>
+      <p:grpSpPr>
+        <a:xfrm>
+          <a:off x="0" y="0"/>
+          <a:ext cx="0" cy="0"/>
+          <a:chOff x="0" y="0"/>
+          <a:chExt cx="0" cy="0"/>
+        </a:xfrm>
+      </p:grpSpPr>
+      <p:sp>
+        <p:nvSpPr>
+          <p:cNvPr id="2" name="Title 1"/>
+          <p:cNvSpPr>
+            <a:spLocks noGrp="1"/>
+          </p:cNvSpPr>
+          <p:nvPr>
+            <p:ph type="title"/>
+          </p:nvPr>
+        </p:nvSpPr>
+        <p:spPr/>
+        <p:txBody>
+          <a:bodyPr/>
+          <a:lstStyle/>
+          <a:p>
+            <a:r>
+              <a:rPr lang="en-US" smtClean="0"/>
+              <a:t>Benefiti </a:t>
+            </a:r>
+            <a:endParaRPr lang="sr-Latn-RS"/>
+          </a:p>
+        </p:txBody>
+      </p:sp>
+      <p:pic>
+        <p:nvPicPr>
+          <p:cNvPr id="4" name="Content Placeholder 3"/>
+          <p:cNvPicPr>
+            <a:picLocks noGrp="1" noChangeAspect="1"/>
+          </p:cNvPicPr>
+          <p:nvPr>
+            <p:ph sz="quarter" idx="10"/>
+          </p:nvPr>
+        </p:nvPicPr>
+        <p:blipFill>
+          <a:blip r:embed="rId2"/>
+          <a:stretch>
+            <a:fillRect/>
+          </a:stretch>
+        </p:blipFill>
+        <p:spPr>
+          <a:xfrm>
+            <a:off x="1275630" y="1757303"/>
+            <a:ext cx="7628067" cy="3745722"/>
+          </a:xfrm>
+          <a:prstGeom prst="rect">
+            <a:avLst/>
+          </a:prstGeom>
+        </p:spPr>
+      </p:pic>
+    </p:spTree>
+    <p:extLst>
+      <p:ext uri="{BB962C8B-B14F-4D97-AF65-F5344CB8AC3E}">
+        <p14:creationId xmlns:p14="http://schemas.microsoft.com/office/powerpoint/2010/main" val="3636288788"/>
+      </p:ext>
+    </p:extLst>
+  </p:cSld>
+  <p:clrMapOvr>
+    <a:masterClrMapping/>
+  </p:clrMapOvr>
+</p:sld>
+</file>
+
+<file path=ppt/slides/slide8.xml><?xml version="1.0" encoding="utf-8"?>
+<p:sld xmlns:a="http://schemas.openxmlformats.org/drawingml/2006/main" xmlns:r="http://schemas.openxmlformats.org/officeDocument/2006/relationships" xmlns:p="http://schemas.openxmlformats.org/presentationml/2006/main">
+  <p:cSld>
+    <p:spTree>
+      <p:nvGrpSpPr>
+        <p:cNvPr id="1" name=""/>
+        <p:cNvGrpSpPr/>
+        <p:nvPr/>
+      </p:nvGrpSpPr>
+      <p:grpSpPr>
+        <a:xfrm>
+          <a:off x="0" y="0"/>
+          <a:ext cx="0" cy="0"/>
+          <a:chOff x="0" y="0"/>
+          <a:chExt cx="0" cy="0"/>
+        </a:xfrm>
+      </p:grpSpPr>
+      <p:sp>
+        <p:nvSpPr>
+          <p:cNvPr id="2" name="Title 1"/>
+          <p:cNvSpPr>
+            <a:spLocks noGrp="1"/>
+          </p:cNvSpPr>
+          <p:nvPr>
+            <p:ph type="title"/>
+          </p:nvPr>
+        </p:nvSpPr>
+        <p:spPr/>
+        <p:txBody>
+          <a:bodyPr/>
+          <a:lstStyle/>
+          <a:p>
+            <a:r>
+              <a:rPr lang="en-US" smtClean="0"/>
+              <a:t>Benefiti</a:t>
+            </a:r>
+            <a:endParaRPr lang="sr-Latn-RS"/>
+          </a:p>
+        </p:txBody>
+      </p:sp>
+      <p:pic>
+        <p:nvPicPr>
+          <p:cNvPr id="4" name="Content Placeholder 3"/>
+          <p:cNvPicPr>
+            <a:picLocks noGrp="1" noChangeAspect="1"/>
+          </p:cNvPicPr>
+          <p:nvPr>
+            <p:ph sz="quarter" idx="10"/>
+          </p:nvPr>
+        </p:nvPicPr>
+        <p:blipFill>
+          <a:blip r:embed="rId2"/>
+          <a:stretch>
+            <a:fillRect/>
+          </a:stretch>
+        </p:blipFill>
+        <p:spPr>
+          <a:xfrm>
+            <a:off x="1979968" y="2165931"/>
+            <a:ext cx="6287377" cy="3048425"/>
+          </a:xfrm>
+          <a:prstGeom prst="rect">
+            <a:avLst/>
+          </a:prstGeom>
+        </p:spPr>
+      </p:pic>
+    </p:spTree>
+    <p:extLst>
+      <p:ext uri="{BB962C8B-B14F-4D97-AF65-F5344CB8AC3E}">
+        <p14:creationId xmlns:p14="http://schemas.microsoft.com/office/powerpoint/2010/main" val="2328867404"/>
+      </p:ext>
+    </p:extLst>
+  </p:cSld>
+  <p:clrMapOvr>
+    <a:masterClrMapping/>
+  </p:clrMapOvr>
+</p:sld>
+</file>
+
+<file path=ppt/slides/slide9.xml><?xml version="1.0" encoding="utf-8"?>
+<p:sld xmlns:a="http://schemas.openxmlformats.org/drawingml/2006/main" xmlns:r="http://schemas.openxmlformats.org/officeDocument/2006/relationships" xmlns:p="http://schemas.openxmlformats.org/presentationml/2006/main">
+  <p:cSld>
+    <p:spTree>
+      <p:nvGrpSpPr>
+        <p:cNvPr id="1" name=""/>
+        <p:cNvGrpSpPr/>
+        <p:nvPr/>
+      </p:nvGrpSpPr>
+      <p:grpSpPr>
+        <a:xfrm>
+          <a:off x="0" y="0"/>
+          <a:ext cx="0" cy="0"/>
+          <a:chOff x="0" y="0"/>
+          <a:chExt cx="0" cy="0"/>
+        </a:xfrm>
+      </p:grpSpPr>
+      <p:sp>
+        <p:nvSpPr>
+          <p:cNvPr id="2" name="Title 1"/>
+          <p:cNvSpPr>
+            <a:spLocks noGrp="1"/>
+          </p:cNvSpPr>
+          <p:nvPr>
+            <p:ph type="title"/>
+          </p:nvPr>
+        </p:nvSpPr>
+        <p:spPr/>
+        <p:txBody>
+          <a:bodyPr/>
+          <a:lstStyle/>
+          <a:p>
+            <a:r>
+              <a:rPr lang="en-US" smtClean="0"/>
+              <a:t>Benefit 1</a:t>
+            </a:r>
+            <a:endParaRPr lang="sr-Latn-RS"/>
+          </a:p>
+        </p:txBody>
+      </p:sp>
+      <p:pic>
+        <p:nvPicPr>
+          <p:cNvPr id="4" name="Content Placeholder 3"/>
+          <p:cNvPicPr>
+            <a:picLocks noGrp="1" noChangeAspect="1"/>
+          </p:cNvPicPr>
+          <p:nvPr>
+            <p:ph sz="quarter" idx="10"/>
+          </p:nvPr>
+        </p:nvPicPr>
+        <p:blipFill>
+          <a:blip r:embed="rId2"/>
+          <a:stretch>
+            <a:fillRect/>
+          </a:stretch>
+        </p:blipFill>
+        <p:spPr>
+          <a:xfrm>
+            <a:off x="1870415" y="1861088"/>
+            <a:ext cx="6506483" cy="3658111"/>
+          </a:xfrm>
+          <a:prstGeom prst="rect">
+            <a:avLst/>
+          </a:prstGeom>
+        </p:spPr>
+      </p:pic>
+    </p:spTree>
+    <p:extLst>
+      <p:ext uri="{BB962C8B-B14F-4D97-AF65-F5344CB8AC3E}">
+        <p14:creationId xmlns:p14="http://schemas.microsoft.com/office/powerpoint/2010/main" val="1166958068"/>
+      </p:ext>
+    </p:extLst>
+  </p:cSld>
+  <p:clrMapOvr>
+    <a:masterClrMapping/>
+  </p:clrMapOvr>
 </p:sld>
 </file>
 

--- a/sesija-36/PPT/Front-End Developer-36.pptx
+++ b/sesija-36/PPT/Front-End Developer-36.pptx
@@ -1063,6 +1063,29 @@
         </a:p>
       </dgm:t>
     </dgm:pt>
+    <dgm:pt modelId="{CC92AFA7-04FC-457B-A119-37DF5FC0B889}">
+      <dgm:prSet phldrT="[Text]"/>
+      <dgm:spPr/>
+      <dgm:t>
+        <a:bodyPr/>
+        <a:lstStyle/>
+        <a:p>
+          <a:r>
+            <a:rPr lang="en-US" smtClean="0"/>
+            <a:t>Preporuke za citanje – poseban folder u okviru sesije 36</a:t>
+          </a:r>
+          <a:endParaRPr lang="en-US"/>
+        </a:p>
+      </dgm:t>
+    </dgm:pt>
+    <dgm:pt modelId="{88A503A7-5C94-4282-92F3-1584361ECD96}" type="parTrans" cxnId="{89F2D1C9-CECF-474F-A5FE-337A2C4F3DFA}">
+      <dgm:prSet/>
+      <dgm:spPr/>
+    </dgm:pt>
+    <dgm:pt modelId="{107C9E34-629C-43CF-8AB4-EB218B8C917A}" type="sibTrans" cxnId="{89F2D1C9-CECF-474F-A5FE-337A2C4F3DFA}">
+      <dgm:prSet/>
+      <dgm:spPr/>
+    </dgm:pt>
     <dgm:pt modelId="{AEABCDDF-3180-4C76-A7CB-FC0B6AF0719A}" type="pres">
       <dgm:prSet presAssocID="{4EE1351B-4B79-4D48-8F5E-455F7AD945A8}" presName="linear" presStyleCnt="0">
         <dgm:presLayoutVars>
@@ -1112,15 +1135,17 @@
     </dgm:pt>
   </dgm:ptLst>
   <dgm:cxnLst>
+    <dgm:cxn modelId="{89F2D1C9-CECF-474F-A5FE-337A2C4F3DFA}" srcId="{01EB205F-FC18-44EF-B4D7-07083A382D6D}" destId="{CC92AFA7-04FC-457B-A119-37DF5FC0B889}" srcOrd="3" destOrd="0" parTransId="{88A503A7-5C94-4282-92F3-1584361ECD96}" sibTransId="{107C9E34-629C-43CF-8AB4-EB218B8C917A}"/>
+    <dgm:cxn modelId="{78ED50A8-66E4-45FF-89BE-ADC06D52777A}" srcId="{01EB205F-FC18-44EF-B4D7-07083A382D6D}" destId="{28E94472-0D24-4B73-AE72-45912C6225F7}" srcOrd="1" destOrd="0" parTransId="{EA7DEC50-22AA-46C0-B59B-6BED0F5A7614}" sibTransId="{75DE82EB-7115-4A95-9F55-8B9F0EDF0E4C}"/>
+    <dgm:cxn modelId="{D4B2C4B5-CCB7-4A68-B5F5-3259B208503C}" type="presOf" srcId="{8F9725BE-C058-4BE4-951A-D2853A56D882}" destId="{AADBD8E6-695F-4FE3-9A02-D807BC812A7C}" srcOrd="0" destOrd="2" presId="urn:microsoft.com/office/officeart/2005/8/layout/vList2"/>
+    <dgm:cxn modelId="{FB3F133B-D980-4586-8A93-14087C2AFDB7}" type="presOf" srcId="{01EB205F-FC18-44EF-B4D7-07083A382D6D}" destId="{F4D94EE2-DE87-41D3-8995-9FDA4ED2D4BE}" srcOrd="0" destOrd="0" presId="urn:microsoft.com/office/officeart/2005/8/layout/vList2"/>
+    <dgm:cxn modelId="{9ADF0326-01FB-4790-B759-ACDFB0217796}" type="presOf" srcId="{4EE1351B-4B79-4D48-8F5E-455F7AD945A8}" destId="{AEABCDDF-3180-4C76-A7CB-FC0B6AF0719A}" srcOrd="0" destOrd="0" presId="urn:microsoft.com/office/officeart/2005/8/layout/vList2"/>
+    <dgm:cxn modelId="{C78D7D1E-4353-489A-8F01-856C716DDAA5}" srcId="{01EB205F-FC18-44EF-B4D7-07083A382D6D}" destId="{7BA3726F-3900-4FC3-8B1E-5B513F942281}" srcOrd="0" destOrd="0" parTransId="{F89418B0-7D47-48D3-A0DD-7DC00E292A1E}" sibTransId="{B8A6BCFB-F597-4971-BF20-6B7B52347AE9}"/>
+    <dgm:cxn modelId="{1DCE2FE2-D9E8-4866-BA00-AE732F3AB12E}" type="presOf" srcId="{CC92AFA7-04FC-457B-A119-37DF5FC0B889}" destId="{AADBD8E6-695F-4FE3-9A02-D807BC812A7C}" srcOrd="0" destOrd="3" presId="urn:microsoft.com/office/officeart/2005/8/layout/vList2"/>
+    <dgm:cxn modelId="{554D4833-0D13-4D4C-92BF-76D83AECFDE6}" srcId="{4EE1351B-4B79-4D48-8F5E-455F7AD945A8}" destId="{01EB205F-FC18-44EF-B4D7-07083A382D6D}" srcOrd="0" destOrd="0" parTransId="{D4C6F2B3-566C-488E-AC05-F7BDFB6B7331}" sibTransId="{2BF717F9-FCD3-4CE3-A0A5-83D104AFB328}"/>
     <dgm:cxn modelId="{C5A8E9B4-A897-4242-BCB6-414B02FAC18D}" type="presOf" srcId="{7BA3726F-3900-4FC3-8B1E-5B513F942281}" destId="{AADBD8E6-695F-4FE3-9A02-D807BC812A7C}" srcOrd="0" destOrd="0" presId="urn:microsoft.com/office/officeart/2005/8/layout/vList2"/>
-    <dgm:cxn modelId="{D4B2C4B5-CCB7-4A68-B5F5-3259B208503C}" type="presOf" srcId="{8F9725BE-C058-4BE4-951A-D2853A56D882}" destId="{AADBD8E6-695F-4FE3-9A02-D807BC812A7C}" srcOrd="0" destOrd="2" presId="urn:microsoft.com/office/officeart/2005/8/layout/vList2"/>
+    <dgm:cxn modelId="{66520CC7-F9AA-40A2-8E2C-1647AA1382B3}" srcId="{01EB205F-FC18-44EF-B4D7-07083A382D6D}" destId="{8F9725BE-C058-4BE4-951A-D2853A56D882}" srcOrd="2" destOrd="0" parTransId="{3D76194F-529E-474B-A13D-91B7A92C24F6}" sibTransId="{7C200352-E534-4360-B825-9CA8087DBD7C}"/>
     <dgm:cxn modelId="{4D20E90C-78E2-4428-9264-F0F3701ACE8B}" type="presOf" srcId="{28E94472-0D24-4B73-AE72-45912C6225F7}" destId="{AADBD8E6-695F-4FE3-9A02-D807BC812A7C}" srcOrd="0" destOrd="1" presId="urn:microsoft.com/office/officeart/2005/8/layout/vList2"/>
-    <dgm:cxn modelId="{FB3F133B-D980-4586-8A93-14087C2AFDB7}" type="presOf" srcId="{01EB205F-FC18-44EF-B4D7-07083A382D6D}" destId="{F4D94EE2-DE87-41D3-8995-9FDA4ED2D4BE}" srcOrd="0" destOrd="0" presId="urn:microsoft.com/office/officeart/2005/8/layout/vList2"/>
-    <dgm:cxn modelId="{66520CC7-F9AA-40A2-8E2C-1647AA1382B3}" srcId="{01EB205F-FC18-44EF-B4D7-07083A382D6D}" destId="{8F9725BE-C058-4BE4-951A-D2853A56D882}" srcOrd="2" destOrd="0" parTransId="{3D76194F-529E-474B-A13D-91B7A92C24F6}" sibTransId="{7C200352-E534-4360-B825-9CA8087DBD7C}"/>
-    <dgm:cxn modelId="{C78D7D1E-4353-489A-8F01-856C716DDAA5}" srcId="{01EB205F-FC18-44EF-B4D7-07083A382D6D}" destId="{7BA3726F-3900-4FC3-8B1E-5B513F942281}" srcOrd="0" destOrd="0" parTransId="{F89418B0-7D47-48D3-A0DD-7DC00E292A1E}" sibTransId="{B8A6BCFB-F597-4971-BF20-6B7B52347AE9}"/>
-    <dgm:cxn modelId="{554D4833-0D13-4D4C-92BF-76D83AECFDE6}" srcId="{4EE1351B-4B79-4D48-8F5E-455F7AD945A8}" destId="{01EB205F-FC18-44EF-B4D7-07083A382D6D}" srcOrd="0" destOrd="0" parTransId="{D4C6F2B3-566C-488E-AC05-F7BDFB6B7331}" sibTransId="{2BF717F9-FCD3-4CE3-A0A5-83D104AFB328}"/>
-    <dgm:cxn modelId="{78ED50A8-66E4-45FF-89BE-ADC06D52777A}" srcId="{01EB205F-FC18-44EF-B4D7-07083A382D6D}" destId="{28E94472-0D24-4B73-AE72-45912C6225F7}" srcOrd="1" destOrd="0" parTransId="{EA7DEC50-22AA-46C0-B59B-6BED0F5A7614}" sibTransId="{75DE82EB-7115-4A95-9F55-8B9F0EDF0E4C}"/>
-    <dgm:cxn modelId="{9ADF0326-01FB-4790-B759-ACDFB0217796}" type="presOf" srcId="{4EE1351B-4B79-4D48-8F5E-455F7AD945A8}" destId="{AEABCDDF-3180-4C76-A7CB-FC0B6AF0719A}" srcOrd="0" destOrd="0" presId="urn:microsoft.com/office/officeart/2005/8/layout/vList2"/>
     <dgm:cxn modelId="{541BD5B9-51DA-497F-838D-CDA31366E980}" type="presParOf" srcId="{AEABCDDF-3180-4C76-A7CB-FC0B6AF0719A}" destId="{F4D94EE2-DE87-41D3-8995-9FDA4ED2D4BE}" srcOrd="0" destOrd="0" presId="urn:microsoft.com/office/officeart/2005/8/layout/vList2"/>
     <dgm:cxn modelId="{C7801D2E-7067-4E56-86BD-8C707C34363A}" type="presParOf" srcId="{AEABCDDF-3180-4C76-A7CB-FC0B6AF0719A}" destId="{AADBD8E6-695F-4FE3-9A02-D807BC812A7C}" srcOrd="1" destOrd="0" presId="urn:microsoft.com/office/officeart/2005/8/layout/vList2"/>
   </dgm:cxnLst>
@@ -1149,8 +1174,8 @@
       </dsp:nvSpPr>
       <dsp:spPr>
         <a:xfrm>
-          <a:off x="0" y="505585"/>
-          <a:ext cx="8298873" cy="1521000"/>
+          <a:off x="0" y="67398"/>
+          <a:ext cx="8298873" cy="1357200"/>
         </a:xfrm>
         <a:prstGeom prst="roundRect">
           <a:avLst/>
@@ -1191,12 +1216,12 @@
         </a:fontRef>
       </dsp:style>
       <dsp:txBody>
-        <a:bodyPr spcFirstLastPara="0" vert="horz" wrap="square" lIns="247650" tIns="247650" rIns="247650" bIns="247650" numCol="1" spcCol="1270" anchor="ctr" anchorCtr="0">
+        <a:bodyPr spcFirstLastPara="0" vert="horz" wrap="square" lIns="220980" tIns="220980" rIns="220980" bIns="220980" numCol="1" spcCol="1270" anchor="ctr" anchorCtr="0">
           <a:noAutofit/>
         </a:bodyPr>
         <a:lstStyle/>
         <a:p>
-          <a:pPr lvl="0" algn="l" defTabSz="2889250">
+          <a:pPr lvl="0" algn="l" defTabSz="2578100">
             <a:lnSpc>
               <a:spcPct val="90000"/>
             </a:lnSpc>
@@ -1208,15 +1233,15 @@
             </a:spcAft>
           </a:pPr>
           <a:r>
-            <a:rPr lang="en-US" sz="6500" b="1" kern="1200" smtClean="0"/>
+            <a:rPr lang="en-US" sz="5800" b="1" kern="1200" smtClean="0"/>
             <a:t>Git </a:t>
           </a:r>
-          <a:endParaRPr lang="en-US" sz="6500" kern="1200"/>
+          <a:endParaRPr lang="en-US" sz="5800" kern="1200"/>
         </a:p>
       </dsp:txBody>
       <dsp:txXfrm>
-        <a:off x="74249" y="579834"/>
-        <a:ext cx="8150375" cy="1372502"/>
+        <a:off x="66253" y="133651"/>
+        <a:ext cx="8166367" cy="1224694"/>
       </dsp:txXfrm>
     </dsp:sp>
     <dsp:sp modelId="{AADBD8E6-695F-4FE3-9A02-D807BC812A7C}">
@@ -1226,8 +1251,8 @@
       </dsp:nvSpPr>
       <dsp:spPr>
         <a:xfrm>
-          <a:off x="0" y="2026585"/>
-          <a:ext cx="8298873" cy="3161925"/>
+          <a:off x="0" y="1424598"/>
+          <a:ext cx="8298873" cy="4202099"/>
         </a:xfrm>
         <a:prstGeom prst="rect">
           <a:avLst/>
@@ -1251,12 +1276,12 @@
         <a:fontRef idx="minor"/>
       </dsp:style>
       <dsp:txBody>
-        <a:bodyPr spcFirstLastPara="0" vert="horz" wrap="square" lIns="263489" tIns="82550" rIns="462280" bIns="82550" numCol="1" spcCol="1270" anchor="t" anchorCtr="0">
+        <a:bodyPr spcFirstLastPara="0" vert="horz" wrap="square" lIns="263489" tIns="73660" rIns="412496" bIns="73660" numCol="1" spcCol="1270" anchor="t" anchorCtr="0">
           <a:noAutofit/>
         </a:bodyPr>
         <a:lstStyle/>
         <a:p>
-          <a:pPr marL="285750" lvl="1" indent="-285750" algn="l" defTabSz="2266950">
+          <a:pPr marL="285750" lvl="1" indent="-285750" algn="l" defTabSz="2000250">
             <a:lnSpc>
               <a:spcPct val="90000"/>
             </a:lnSpc>
@@ -1269,13 +1294,13 @@
             <a:buChar char="••"/>
           </a:pPr>
           <a:r>
-            <a:rPr lang="en-US" sz="5100" kern="1200" smtClean="0"/>
+            <a:rPr lang="en-US" sz="4500" kern="1200" smtClean="0"/>
             <a:t>Osnove</a:t>
           </a:r>
-          <a:endParaRPr lang="en-US" sz="5100" kern="1200"/>
+          <a:endParaRPr lang="en-US" sz="4500" kern="1200"/>
         </a:p>
         <a:p>
-          <a:pPr marL="285750" lvl="1" indent="-285750" algn="l" defTabSz="2266950">
+          <a:pPr marL="285750" lvl="1" indent="-285750" algn="l" defTabSz="2000250">
             <a:lnSpc>
               <a:spcPct val="90000"/>
             </a:lnSpc>
@@ -1288,13 +1313,13 @@
             <a:buChar char="••"/>
           </a:pPr>
           <a:r>
-            <a:rPr lang="en-US" sz="5100" kern="1200" smtClean="0"/>
+            <a:rPr lang="en-US" sz="4500" kern="1200" smtClean="0"/>
             <a:t>GitHub</a:t>
           </a:r>
-          <a:endParaRPr lang="en-US" sz="5100" kern="1200"/>
+          <a:endParaRPr lang="en-US" sz="4500" kern="1200"/>
         </a:p>
         <a:p>
-          <a:pPr marL="285750" lvl="1" indent="-285750" algn="l" defTabSz="2266950">
+          <a:pPr marL="285750" lvl="1" indent="-285750" algn="l" defTabSz="2000250">
             <a:lnSpc>
               <a:spcPct val="90000"/>
             </a:lnSpc>
@@ -1307,15 +1332,34 @@
             <a:buChar char="••"/>
           </a:pPr>
           <a:r>
-            <a:rPr lang="sr-Latn-RS" sz="5100" b="0" i="0" kern="1200" smtClean="0"/>
+            <a:rPr lang="sr-Latn-RS" sz="4500" b="0" i="0" kern="1200" smtClean="0"/>
             <a:t>Git Feature Branch Workflow</a:t>
           </a:r>
-          <a:endParaRPr lang="en-US" sz="5100" kern="1200"/>
+          <a:endParaRPr lang="en-US" sz="4500" kern="1200"/>
+        </a:p>
+        <a:p>
+          <a:pPr marL="285750" lvl="1" indent="-285750" algn="l" defTabSz="2000250">
+            <a:lnSpc>
+              <a:spcPct val="90000"/>
+            </a:lnSpc>
+            <a:spcBef>
+              <a:spcPct val="0"/>
+            </a:spcBef>
+            <a:spcAft>
+              <a:spcPct val="20000"/>
+            </a:spcAft>
+            <a:buChar char="••"/>
+          </a:pPr>
+          <a:r>
+            <a:rPr lang="en-US" sz="4500" kern="1200" smtClean="0"/>
+            <a:t>Preporuke za citanje – poseban folder u okviru sesije 36</a:t>
+          </a:r>
+          <a:endParaRPr lang="en-US" sz="4500" kern="1200"/>
         </a:p>
       </dsp:txBody>
       <dsp:txXfrm>
-        <a:off x="0" y="2026585"/>
-        <a:ext cx="8298873" cy="3161925"/>
+        <a:off x="0" y="1424598"/>
+        <a:ext cx="8298873" cy="4202099"/>
       </dsp:txXfrm>
     </dsp:sp>
   </dsp:spTree>
@@ -6476,11 +6520,7 @@
           <a:p>
             <a:r>
               <a:rPr lang="en-US" sz="3600" baseline="0" smtClean="0"/>
-              <a:t>Git </a:t>
-            </a:r>
-            <a:r>
-              <a:rPr lang="en-US" sz="3600" baseline="0" smtClean="0"/>
-              <a:t>- osnove</a:t>
+              <a:t>Git - osnove</a:t>
             </a:r>
             <a:endParaRPr lang="sr-Latn-RS" sz="3600"/>
           </a:p>
@@ -8077,11 +8117,7 @@
             </a:br>
             <a:r>
               <a:rPr lang="en-US" b="1" smtClean="0"/>
-              <a:t>36 – </a:t>
-            </a:r>
-            <a:r>
-              <a:rPr lang="en-US" b="1" smtClean="0"/>
-              <a:t>12.05.2018</a:t>
+              <a:t>36 – 12.05.2018</a:t>
             </a:r>
             <a:endParaRPr lang="en-US"/>
           </a:p>
@@ -8347,13 +8383,7 @@
               <a:rPr lang="sr-Latn-RS">
                 <a:hlinkClick r:id="rId2"/>
               </a:rPr>
-              <a:t>https://</a:t>
-            </a:r>
-            <a:r>
-              <a:rPr lang="sr-Latn-RS">
-                <a:hlinkClick r:id="rId2"/>
-              </a:rPr>
-              <a:t>blog.github.com/2015-06-08-how-to-undo-almost-anything-with-git</a:t>
+              <a:t>https://blog.github.com/2015-06-08-how-to-undo-almost-anything-with-git</a:t>
             </a:r>
             <a:r>
               <a:rPr lang="sr-Latn-RS" smtClean="0">
@@ -8472,13 +8502,7 @@
               <a:rPr lang="sr-Latn-RS">
                 <a:hlinkClick r:id="rId2"/>
               </a:rPr>
-              <a:t>https://</a:t>
-            </a:r>
-            <a:r>
-              <a:rPr lang="sr-Latn-RS">
-                <a:hlinkClick r:id="rId2"/>
-              </a:rPr>
-              <a:t>guides.github.com/activities/hello-world</a:t>
+              <a:t>https://guides.github.com/activities/hello-world</a:t>
             </a:r>
             <a:r>
               <a:rPr lang="sr-Latn-RS" smtClean="0">
@@ -8569,13 +8593,7 @@
               <a:rPr lang="sr-Latn-RS">
                 <a:hlinkClick r:id="rId2"/>
               </a:rPr>
-              <a:t>https</a:t>
-            </a:r>
-            <a:r>
-              <a:rPr lang="sr-Latn-RS">
-                <a:hlinkClick r:id="rId2"/>
-              </a:rPr>
-              <a:t>://</a:t>
+              <a:t>https://</a:t>
             </a:r>
             <a:r>
               <a:rPr lang="sr-Latn-RS" smtClean="0">
@@ -8683,7 +8701,7 @@
           <p:nvPr>
             <p:extLst>
               <p:ext uri="{D42A27DB-BD31-4B8C-83A1-F6EECF244321}">
-                <p14:modId xmlns:p14="http://schemas.microsoft.com/office/powerpoint/2010/main" val="384503664"/>
+                <p14:modId xmlns:p14="http://schemas.microsoft.com/office/powerpoint/2010/main" val="2139920555"/>
               </p:ext>
             </p:extLst>
           </p:nvPr>
@@ -8826,7 +8844,6 @@
               <a:rPr lang="en-US" smtClean="0"/>
               <a:t>Baze podataka</a:t>
             </a:r>
-            <a:endParaRPr lang="en-US" smtClean="0"/>
           </a:p>
         </p:txBody>
       </p:sp>
